--- a/doc/책자/책자 이미지.pptx
+++ b/doc/책자/책자 이미지.pptx
@@ -104,6 +104,11 @@
       </a:defRPr>
     </a:lvl9pPr>
   </p:defaultTextStyle>
+  <p:extLst>
+    <p:ext uri="{EFAFB233-063F-42B5-8137-9DF3F51BA10A}">
+      <p15:sldGuideLst xmlns:p15="http://schemas.microsoft.com/office/powerpoint/2012/main"/>
+    </p:ext>
+  </p:extLst>
 </p:presentation>
 </file>
 
@@ -2964,733 +2969,334 @@
           <a:chExt cx="0" cy="0"/>
         </a:xfrm>
       </p:grpSpPr>
-      <p:sp>
-        <p:nvSpPr>
-          <p:cNvPr id="10" name="모서리가 둥근 직사각형 9"/>
-          <p:cNvSpPr/>
+      <p:grpSp>
+        <p:nvGrpSpPr>
+          <p:cNvPr id="9" name="그룹 8"/>
+          <p:cNvGrpSpPr/>
           <p:nvPr/>
-        </p:nvSpPr>
-        <p:spPr>
+        </p:nvGrpSpPr>
+        <p:grpSpPr>
           <a:xfrm>
-            <a:off x="823912" y="3248469"/>
-            <a:ext cx="4129088" cy="2587975"/>
+            <a:off x="813120" y="929442"/>
+            <a:ext cx="10535594" cy="4746685"/>
+            <a:chOff x="819057" y="1089759"/>
+            <a:chExt cx="10535594" cy="4746685"/>
           </a:xfrm>
-          <a:prstGeom prst="roundRect">
-            <a:avLst/>
-          </a:prstGeom>
-          <a:noFill/>
-          <a:ln>
-            <a:solidFill>
-              <a:schemeClr val="tx1"/>
-            </a:solidFill>
-          </a:ln>
-        </p:spPr>
-        <p:style>
-          <a:lnRef idx="2">
-            <a:schemeClr val="accent1">
-              <a:shade val="50000"/>
-            </a:schemeClr>
-          </a:lnRef>
-          <a:fillRef idx="1">
-            <a:schemeClr val="accent1"/>
-          </a:fillRef>
-          <a:effectRef idx="0">
-            <a:schemeClr val="accent1"/>
-          </a:effectRef>
-          <a:fontRef idx="minor">
-            <a:schemeClr val="lt1"/>
-          </a:fontRef>
-        </p:style>
-        <p:txBody>
-          <a:bodyPr rtlCol="0" anchor="ctr"/>
-          <a:lstStyle/>
-          <a:p>
-            <a:pPr algn="ctr"/>
-            <a:endParaRPr lang="ko-KR" altLang="en-US"/>
-          </a:p>
-        </p:txBody>
-      </p:sp>
-      <p:sp>
-        <p:nvSpPr>
-          <p:cNvPr id="22" name="직사각형 21"/>
-          <p:cNvSpPr/>
-          <p:nvPr/>
-        </p:nvSpPr>
-        <p:spPr>
-          <a:xfrm>
-            <a:off x="1036926" y="3129041"/>
-            <a:ext cx="1070480" cy="234949"/>
-          </a:xfrm>
-          <a:prstGeom prst="rect">
-            <a:avLst/>
-          </a:prstGeom>
-          <a:solidFill>
-            <a:schemeClr val="bg1"/>
-          </a:solidFill>
-          <a:ln>
+        </p:grpSpPr>
+        <p:pic>
+          <p:nvPicPr>
+            <p:cNvPr id="8" name="그림 7"/>
+            <p:cNvPicPr>
+              <a:picLocks noChangeAspect="1"/>
+            </p:cNvPicPr>
+            <p:nvPr/>
+          </p:nvPicPr>
+          <p:blipFill rotWithShape="1">
+            <a:blip r:embed="rId2" cstate="print">
+              <a:extLst>
+                <a:ext uri="{28A0092B-C50C-407E-A947-70E740481C1C}">
+                  <a14:useLocalDpi xmlns:a14="http://schemas.microsoft.com/office/drawing/2010/main" val="0"/>
+                </a:ext>
+              </a:extLst>
+            </a:blip>
+            <a:srcRect t="3746" b="5618"/>
+            <a:stretch/>
+          </p:blipFill>
+          <p:spPr>
+            <a:xfrm>
+              <a:off x="9423409" y="3722513"/>
+              <a:ext cx="872610" cy="1757548"/>
+            </a:xfrm>
+            <a:prstGeom prst="rect">
+              <a:avLst/>
+            </a:prstGeom>
+          </p:spPr>
+        </p:pic>
+        <p:pic>
+          <p:nvPicPr>
+            <p:cNvPr id="3" name="그림 2"/>
+            <p:cNvPicPr>
+              <a:picLocks noChangeAspect="1"/>
+            </p:cNvPicPr>
+            <p:nvPr/>
+          </p:nvPicPr>
+          <p:blipFill>
+            <a:blip r:embed="rId3" cstate="print">
+              <a:extLst>
+                <a:ext uri="{28A0092B-C50C-407E-A947-70E740481C1C}">
+                  <a14:useLocalDpi xmlns:a14="http://schemas.microsoft.com/office/drawing/2010/main" val="0"/>
+                </a:ext>
+              </a:extLst>
+            </a:blip>
+            <a:stretch>
+              <a:fillRect/>
+            </a:stretch>
+          </p:blipFill>
+          <p:spPr>
+            <a:xfrm>
+              <a:off x="5432775" y="1639023"/>
+              <a:ext cx="1556468" cy="875514"/>
+            </a:xfrm>
+            <a:prstGeom prst="rect">
+              <a:avLst/>
+            </a:prstGeom>
+          </p:spPr>
+        </p:pic>
+        <p:pic>
+          <p:nvPicPr>
+            <p:cNvPr id="4" name="그림 3"/>
+            <p:cNvPicPr>
+              <a:picLocks noChangeAspect="1"/>
+            </p:cNvPicPr>
+            <p:nvPr/>
+          </p:nvPicPr>
+          <p:blipFill>
+            <a:blip r:embed="rId4" cstate="print">
+              <a:extLst>
+                <a:ext uri="{28A0092B-C50C-407E-A947-70E740481C1C}">
+                  <a14:useLocalDpi xmlns:a14="http://schemas.microsoft.com/office/drawing/2010/main" val="0"/>
+                </a:ext>
+              </a:extLst>
+            </a:blip>
+            <a:stretch>
+              <a:fillRect/>
+            </a:stretch>
+          </p:blipFill>
+          <p:spPr>
+            <a:xfrm>
+              <a:off x="8627250" y="1639023"/>
+              <a:ext cx="1556469" cy="875514"/>
+            </a:xfrm>
+            <a:prstGeom prst="rect">
+              <a:avLst/>
+            </a:prstGeom>
+          </p:spPr>
+        </p:pic>
+        <p:pic>
+          <p:nvPicPr>
+            <p:cNvPr id="2" name="그림 1"/>
+            <p:cNvPicPr>
+              <a:picLocks noChangeAspect="1"/>
+            </p:cNvPicPr>
+            <p:nvPr/>
+          </p:nvPicPr>
+          <p:blipFill>
+            <a:blip r:embed="rId5" cstate="print">
+              <a:extLst>
+                <a:ext uri="{28A0092B-C50C-407E-A947-70E740481C1C}">
+                  <a14:useLocalDpi xmlns:a14="http://schemas.microsoft.com/office/drawing/2010/main" val="0"/>
+                </a:ext>
+              </a:extLst>
+            </a:blip>
+            <a:stretch>
+              <a:fillRect/>
+            </a:stretch>
+          </p:blipFill>
+          <p:spPr>
+            <a:xfrm>
+              <a:off x="993749" y="1496514"/>
+              <a:ext cx="1556468" cy="875512"/>
+            </a:xfrm>
+            <a:prstGeom prst="rect">
+              <a:avLst/>
+            </a:prstGeom>
+          </p:spPr>
+        </p:pic>
+        <p:sp>
+          <p:nvSpPr>
+            <p:cNvPr id="10" name="모서리가 둥근 직사각형 9"/>
+            <p:cNvSpPr/>
+            <p:nvPr/>
+          </p:nvSpPr>
+          <p:spPr>
+            <a:xfrm>
+              <a:off x="823912" y="3248469"/>
+              <a:ext cx="4129088" cy="2587975"/>
+            </a:xfrm>
+            <a:prstGeom prst="roundRect">
+              <a:avLst/>
+            </a:prstGeom>
+            <a:noFill/>
+            <a:ln>
+              <a:solidFill>
+                <a:schemeClr val="tx1"/>
+              </a:solidFill>
+            </a:ln>
+          </p:spPr>
+          <p:style>
+            <a:lnRef idx="2">
+              <a:schemeClr val="accent1">
+                <a:shade val="50000"/>
+              </a:schemeClr>
+            </a:lnRef>
+            <a:fillRef idx="1">
+              <a:schemeClr val="accent1"/>
+            </a:fillRef>
+            <a:effectRef idx="0">
+              <a:schemeClr val="accent1"/>
+            </a:effectRef>
+            <a:fontRef idx="minor">
+              <a:schemeClr val="lt1"/>
+            </a:fontRef>
+          </p:style>
+          <p:txBody>
+            <a:bodyPr rtlCol="0" anchor="ctr"/>
+            <a:lstStyle/>
+            <a:p>
+              <a:pPr algn="ctr"/>
+              <a:endParaRPr lang="ko-KR" altLang="en-US"/>
+            </a:p>
+          </p:txBody>
+        </p:sp>
+        <p:sp>
+          <p:nvSpPr>
+            <p:cNvPr id="22" name="직사각형 21"/>
+            <p:cNvSpPr/>
+            <p:nvPr/>
+          </p:nvSpPr>
+          <p:spPr>
+            <a:xfrm>
+              <a:off x="1036926" y="3129041"/>
+              <a:ext cx="1070480" cy="234949"/>
+            </a:xfrm>
+            <a:prstGeom prst="rect">
+              <a:avLst/>
+            </a:prstGeom>
             <a:solidFill>
               <a:schemeClr val="bg1"/>
             </a:solidFill>
-          </a:ln>
-        </p:spPr>
-        <p:style>
-          <a:lnRef idx="2">
-            <a:schemeClr val="accent1">
-              <a:shade val="50000"/>
-            </a:schemeClr>
-          </a:lnRef>
-          <a:fillRef idx="1">
-            <a:schemeClr val="accent1"/>
-          </a:fillRef>
-          <a:effectRef idx="0">
-            <a:schemeClr val="accent1"/>
-          </a:effectRef>
-          <a:fontRef idx="minor">
-            <a:schemeClr val="lt1"/>
-          </a:fontRef>
-        </p:style>
-        <p:txBody>
-          <a:bodyPr rtlCol="0" anchor="ctr"/>
-          <a:lstStyle/>
-          <a:p>
-            <a:pPr algn="ctr"/>
-            <a:r>
-              <a:rPr lang="en-US" altLang="ko-KR" dirty="0" smtClean="0">
+            <a:ln>
+              <a:solidFill>
+                <a:schemeClr val="bg1"/>
+              </a:solidFill>
+            </a:ln>
+          </p:spPr>
+          <p:style>
+            <a:lnRef idx="2">
+              <a:schemeClr val="accent1">
+                <a:shade val="50000"/>
+              </a:schemeClr>
+            </a:lnRef>
+            <a:fillRef idx="1">
+              <a:schemeClr val="accent1"/>
+            </a:fillRef>
+            <a:effectRef idx="0">
+              <a:schemeClr val="accent1"/>
+            </a:effectRef>
+            <a:fontRef idx="minor">
+              <a:schemeClr val="lt1"/>
+            </a:fontRef>
+          </p:style>
+          <p:txBody>
+            <a:bodyPr rtlCol="0" anchor="ctr"/>
+            <a:lstStyle/>
+            <a:p>
+              <a:pPr algn="ctr"/>
+              <a:r>
+                <a:rPr lang="en-US" altLang="ko-KR" dirty="0" smtClean="0">
+                  <a:solidFill>
+                    <a:schemeClr val="tx1"/>
+                  </a:solidFill>
+                  <a:latin typeface="D2Coding ligature" panose="020B0609020101020101" pitchFamily="49" charset="-127"/>
+                  <a:ea typeface="D2Coding ligature" panose="020B0609020101020101" pitchFamily="49" charset="-127"/>
+                </a:rPr>
+                <a:t>Flutter</a:t>
+              </a:r>
+              <a:endParaRPr lang="ko-KR" altLang="en-US" dirty="0">
                 <a:solidFill>
                   <a:schemeClr val="tx1"/>
                 </a:solidFill>
                 <a:latin typeface="D2Coding ligature" panose="020B0609020101020101" pitchFamily="49" charset="-127"/>
                 <a:ea typeface="D2Coding ligature" panose="020B0609020101020101" pitchFamily="49" charset="-127"/>
-              </a:rPr>
-              <a:t>Flutter</a:t>
-            </a:r>
-            <a:endParaRPr lang="ko-KR" altLang="en-US" dirty="0">
+              </a:endParaRPr>
+            </a:p>
+          </p:txBody>
+        </p:sp>
+        <p:sp>
+          <p:nvSpPr>
+            <p:cNvPr id="21" name="모서리가 둥근 직사각형 20"/>
+            <p:cNvSpPr/>
+            <p:nvPr/>
+          </p:nvSpPr>
+          <p:spPr>
+            <a:xfrm>
+              <a:off x="819057" y="1211424"/>
+              <a:ext cx="4129088" cy="1898298"/>
+            </a:xfrm>
+            <a:prstGeom prst="roundRect">
+              <a:avLst/>
+            </a:prstGeom>
+            <a:noFill/>
+            <a:ln>
               <a:solidFill>
                 <a:schemeClr val="tx1"/>
               </a:solidFill>
-              <a:latin typeface="D2Coding ligature" panose="020B0609020101020101" pitchFamily="49" charset="-127"/>
-              <a:ea typeface="D2Coding ligature" panose="020B0609020101020101" pitchFamily="49" charset="-127"/>
-            </a:endParaRPr>
-          </a:p>
-        </p:txBody>
-      </p:sp>
-      <p:sp>
-        <p:nvSpPr>
-          <p:cNvPr id="21" name="모서리가 둥근 직사각형 20"/>
-          <p:cNvSpPr/>
-          <p:nvPr/>
-        </p:nvSpPr>
-        <p:spPr>
-          <a:xfrm>
-            <a:off x="819057" y="1211424"/>
-            <a:ext cx="4129088" cy="1898298"/>
-          </a:xfrm>
-          <a:prstGeom prst="roundRect">
-            <a:avLst/>
-          </a:prstGeom>
-          <a:noFill/>
-          <a:ln>
-            <a:solidFill>
-              <a:schemeClr val="tx1"/>
-            </a:solidFill>
-          </a:ln>
-        </p:spPr>
-        <p:style>
-          <a:lnRef idx="2">
-            <a:schemeClr val="accent1">
-              <a:shade val="50000"/>
-            </a:schemeClr>
-          </a:lnRef>
-          <a:fillRef idx="1">
-            <a:schemeClr val="accent1"/>
-          </a:fillRef>
-          <a:effectRef idx="0">
-            <a:schemeClr val="accent1"/>
-          </a:effectRef>
-          <a:fontRef idx="minor">
-            <a:schemeClr val="lt1"/>
-          </a:fontRef>
-        </p:style>
-        <p:txBody>
-          <a:bodyPr rtlCol="0" anchor="ctr"/>
-          <a:lstStyle/>
-          <a:p>
-            <a:pPr algn="ctr"/>
-            <a:endParaRPr lang="ko-KR" altLang="en-US"/>
-          </a:p>
-        </p:txBody>
-      </p:sp>
-      <p:pic>
-        <p:nvPicPr>
-          <p:cNvPr id="5" name="그림 4"/>
-          <p:cNvPicPr>
-            <a:picLocks noChangeAspect="1"/>
-          </p:cNvPicPr>
-          <p:nvPr/>
-        </p:nvPicPr>
-        <p:blipFill rotWithShape="1">
-          <a:blip r:embed="rId2" cstate="print">
-            <a:extLst>
-              <a:ext uri="{28A0092B-C50C-407E-A947-70E740481C1C}">
-                <a14:useLocalDpi xmlns:a14="http://schemas.microsoft.com/office/drawing/2010/main" val="0"/>
-              </a:ext>
-            </a:extLst>
-          </a:blip>
-          <a:srcRect t="7706" b="6264"/>
-          <a:stretch/>
-        </p:blipFill>
-        <p:spPr>
-          <a:xfrm>
-            <a:off x="3802245" y="1384291"/>
-            <a:ext cx="867473" cy="1612107"/>
-          </a:xfrm>
-          <a:prstGeom prst="rect">
-            <a:avLst/>
-          </a:prstGeom>
-        </p:spPr>
-      </p:pic>
-      <p:pic>
-        <p:nvPicPr>
-          <p:cNvPr id="1028" name="Picture 4" descr="스마트 폰 - 무료 전자개 아이콘"/>
-          <p:cNvPicPr>
-            <a:picLocks noChangeAspect="1" noChangeArrowheads="1"/>
-          </p:cNvPicPr>
-          <p:nvPr/>
-        </p:nvPicPr>
-        <p:blipFill rotWithShape="1">
-          <a:blip r:embed="rId3">
-            <a:extLst>
-              <a:ext uri="{28A0092B-C50C-407E-A947-70E740481C1C}">
-                <a14:useLocalDpi xmlns:a14="http://schemas.microsoft.com/office/drawing/2010/main" val="0"/>
-              </a:ext>
-            </a:extLst>
-          </a:blip>
-          <a:srcRect l="27240" t="13357" r="28563" b="13462"/>
-          <a:stretch/>
-        </p:blipFill>
-        <p:spPr bwMode="auto">
-          <a:xfrm>
-            <a:off x="3744795" y="1327943"/>
-            <a:ext cx="982374" cy="1724804"/>
-          </a:xfrm>
-          <a:prstGeom prst="rect">
-            <a:avLst/>
-          </a:prstGeom>
-          <a:noFill/>
-          <a:extLst>
-            <a:ext uri="{909E8E84-426E-40DD-AFC4-6F175D3DCCD1}">
-              <a14:hiddenFill xmlns:a14="http://schemas.microsoft.com/office/drawing/2010/main">
-                <a:solidFill>
-                  <a:srgbClr val="FFFFFF"/>
-                </a:solidFill>
-              </a14:hiddenFill>
-            </a:ext>
-          </a:extLst>
-        </p:spPr>
-      </p:pic>
-      <p:pic>
-        <p:nvPicPr>
-          <p:cNvPr id="1026" name="Picture 2" descr="컴퓨터 - 무료 컴퓨터개 아이콘"/>
-          <p:cNvPicPr>
-            <a:picLocks noChangeAspect="1" noChangeArrowheads="1"/>
-          </p:cNvPicPr>
-          <p:nvPr/>
-        </p:nvPicPr>
-        <p:blipFill rotWithShape="1">
-          <a:blip r:embed="rId4">
-            <a:extLst>
-              <a:ext uri="{28A0092B-C50C-407E-A947-70E740481C1C}">
-                <a14:useLocalDpi xmlns:a14="http://schemas.microsoft.com/office/drawing/2010/main" val="0"/>
-              </a:ext>
-            </a:extLst>
-          </a:blip>
-          <a:srcRect t="18454" b="18465"/>
-          <a:stretch/>
-        </p:blipFill>
-        <p:spPr bwMode="auto">
-          <a:xfrm>
-            <a:off x="911926" y="1340644"/>
-            <a:ext cx="2618508" cy="1651794"/>
-          </a:xfrm>
-          <a:prstGeom prst="rect">
-            <a:avLst/>
-          </a:prstGeom>
-          <a:noFill/>
-          <a:extLst>
-            <a:ext uri="{909E8E84-426E-40DD-AFC4-6F175D3DCCD1}">
-              <a14:hiddenFill xmlns:a14="http://schemas.microsoft.com/office/drawing/2010/main">
-                <a:solidFill>
-                  <a:srgbClr val="FFFFFF"/>
-                </a:solidFill>
-              </a14:hiddenFill>
-            </a:ext>
-          </a:extLst>
-        </p:spPr>
-      </p:pic>
-      <p:pic>
-        <p:nvPicPr>
-          <p:cNvPr id="12" name="Picture 4" descr="스마트 폰 - 무료 전자개 아이콘"/>
-          <p:cNvPicPr>
-            <a:picLocks noChangeAspect="1" noChangeArrowheads="1"/>
-          </p:cNvPicPr>
-          <p:nvPr/>
-        </p:nvPicPr>
-        <p:blipFill rotWithShape="1">
-          <a:blip r:embed="rId3">
-            <a:extLst>
-              <a:ext uri="{28A0092B-C50C-407E-A947-70E740481C1C}">
-                <a14:useLocalDpi xmlns:a14="http://schemas.microsoft.com/office/drawing/2010/main" val="0"/>
-              </a:ext>
-            </a:extLst>
-          </a:blip>
-          <a:srcRect l="27240" t="13357" r="28563" b="13462"/>
-          <a:stretch/>
-        </p:blipFill>
-        <p:spPr bwMode="auto">
-          <a:xfrm>
-            <a:off x="6180079" y="3656797"/>
-            <a:ext cx="982374" cy="1724804"/>
-          </a:xfrm>
-          <a:prstGeom prst="rect">
-            <a:avLst/>
-          </a:prstGeom>
-          <a:noFill/>
-          <a:extLst>
-            <a:ext uri="{909E8E84-426E-40DD-AFC4-6F175D3DCCD1}">
-              <a14:hiddenFill xmlns:a14="http://schemas.microsoft.com/office/drawing/2010/main">
-                <a:solidFill>
-                  <a:srgbClr val="FFFFFF"/>
-                </a:solidFill>
-              </a14:hiddenFill>
-            </a:ext>
-          </a:extLst>
-        </p:spPr>
-      </p:pic>
-      <p:pic>
-        <p:nvPicPr>
-          <p:cNvPr id="13" name="Picture 2" descr="컴퓨터 - 무료 컴퓨터개 아이콘"/>
-          <p:cNvPicPr>
-            <a:picLocks noChangeAspect="1" noChangeArrowheads="1"/>
-          </p:cNvPicPr>
-          <p:nvPr/>
-        </p:nvPicPr>
-        <p:blipFill rotWithShape="1">
-          <a:blip r:embed="rId4">
-            <a:extLst>
-              <a:ext uri="{28A0092B-C50C-407E-A947-70E740481C1C}">
-                <a14:useLocalDpi xmlns:a14="http://schemas.microsoft.com/office/drawing/2010/main" val="0"/>
-              </a:ext>
-            </a:extLst>
-          </a:blip>
-          <a:srcRect t="18454" b="18465"/>
-          <a:stretch/>
-        </p:blipFill>
-        <p:spPr bwMode="auto">
-          <a:xfrm>
-            <a:off x="5353901" y="1475230"/>
-            <a:ext cx="2618508" cy="1651794"/>
-          </a:xfrm>
-          <a:prstGeom prst="rect">
-            <a:avLst/>
-          </a:prstGeom>
-          <a:noFill/>
-          <a:extLst>
-            <a:ext uri="{909E8E84-426E-40DD-AFC4-6F175D3DCCD1}">
-              <a14:hiddenFill xmlns:a14="http://schemas.microsoft.com/office/drawing/2010/main">
-                <a:solidFill>
-                  <a:srgbClr val="FFFFFF"/>
-                </a:solidFill>
-              </a14:hiddenFill>
-            </a:ext>
-          </a:extLst>
-        </p:spPr>
-      </p:pic>
-      <p:sp>
-        <p:nvSpPr>
-          <p:cNvPr id="18" name="직사각형 17"/>
-          <p:cNvSpPr/>
-          <p:nvPr/>
-        </p:nvSpPr>
-        <p:spPr>
-          <a:xfrm>
-            <a:off x="1036926" y="1089759"/>
-            <a:ext cx="1070480" cy="234949"/>
-          </a:xfrm>
-          <a:prstGeom prst="rect">
-            <a:avLst/>
-          </a:prstGeom>
-          <a:solidFill>
-            <a:schemeClr val="bg1"/>
-          </a:solidFill>
-          <a:ln>
-            <a:solidFill>
-              <a:schemeClr val="bg1"/>
-            </a:solidFill>
-          </a:ln>
-        </p:spPr>
-        <p:style>
-          <a:lnRef idx="2">
-            <a:schemeClr val="accent1">
-              <a:shade val="50000"/>
-            </a:schemeClr>
-          </a:lnRef>
-          <a:fillRef idx="1">
-            <a:schemeClr val="accent1"/>
-          </a:fillRef>
-          <a:effectRef idx="0">
-            <a:schemeClr val="accent1"/>
-          </a:effectRef>
-          <a:fontRef idx="minor">
-            <a:schemeClr val="lt1"/>
-          </a:fontRef>
-        </p:style>
-        <p:txBody>
-          <a:bodyPr rtlCol="0" anchor="ctr"/>
-          <a:lstStyle/>
-          <a:p>
-            <a:pPr algn="ctr"/>
-            <a:r>
-              <a:rPr lang="en-US" altLang="ko-KR" dirty="0" smtClean="0">
-                <a:solidFill>
-                  <a:schemeClr val="tx1"/>
-                </a:solidFill>
-                <a:latin typeface="D2Coding ligature" panose="020B0609020101020101" pitchFamily="49" charset="-127"/>
-                <a:ea typeface="D2Coding ligature" panose="020B0609020101020101" pitchFamily="49" charset="-127"/>
-              </a:rPr>
-              <a:t>React</a:t>
-            </a:r>
-            <a:endParaRPr lang="ko-KR" altLang="en-US" dirty="0">
-              <a:solidFill>
-                <a:schemeClr val="tx1"/>
-              </a:solidFill>
-              <a:latin typeface="D2Coding ligature" panose="020B0609020101020101" pitchFamily="49" charset="-127"/>
-              <a:ea typeface="D2Coding ligature" panose="020B0609020101020101" pitchFamily="49" charset="-127"/>
-            </a:endParaRPr>
-          </a:p>
-        </p:txBody>
-      </p:sp>
-      <p:sp>
-        <p:nvSpPr>
-          <p:cNvPr id="24" name="모서리가 둥근 직사각형 23"/>
-          <p:cNvSpPr/>
-          <p:nvPr/>
-        </p:nvSpPr>
-        <p:spPr>
-          <a:xfrm>
-            <a:off x="5167823" y="1211423"/>
-            <a:ext cx="3000375" cy="4625021"/>
-          </a:xfrm>
-          <a:prstGeom prst="roundRect">
-            <a:avLst/>
-          </a:prstGeom>
-          <a:noFill/>
-          <a:ln>
-            <a:solidFill>
-              <a:schemeClr val="tx1"/>
-            </a:solidFill>
-          </a:ln>
-        </p:spPr>
-        <p:style>
-          <a:lnRef idx="2">
-            <a:schemeClr val="accent1">
-              <a:shade val="50000"/>
-            </a:schemeClr>
-          </a:lnRef>
-          <a:fillRef idx="1">
-            <a:schemeClr val="accent1"/>
-          </a:fillRef>
-          <a:effectRef idx="0">
-            <a:schemeClr val="accent1"/>
-          </a:effectRef>
-          <a:fontRef idx="minor">
-            <a:schemeClr val="lt1"/>
-          </a:fontRef>
-        </p:style>
-        <p:txBody>
-          <a:bodyPr rtlCol="0" anchor="ctr"/>
-          <a:lstStyle/>
-          <a:p>
-            <a:pPr algn="ctr"/>
-            <a:endParaRPr lang="ko-KR" altLang="en-US"/>
-          </a:p>
-        </p:txBody>
-      </p:sp>
-      <p:sp>
-        <p:nvSpPr>
-          <p:cNvPr id="25" name="직사각형 24"/>
-          <p:cNvSpPr/>
-          <p:nvPr/>
-        </p:nvSpPr>
-        <p:spPr>
-          <a:xfrm>
-            <a:off x="5465815" y="1105695"/>
-            <a:ext cx="1070480" cy="234949"/>
-          </a:xfrm>
-          <a:prstGeom prst="rect">
-            <a:avLst/>
-          </a:prstGeom>
-          <a:solidFill>
-            <a:schemeClr val="bg1"/>
-          </a:solidFill>
-          <a:ln>
-            <a:solidFill>
-              <a:schemeClr val="bg1"/>
-            </a:solidFill>
-          </a:ln>
-        </p:spPr>
-        <p:style>
-          <a:lnRef idx="2">
-            <a:schemeClr val="accent1">
-              <a:shade val="50000"/>
-            </a:schemeClr>
-          </a:lnRef>
-          <a:fillRef idx="1">
-            <a:schemeClr val="accent1"/>
-          </a:fillRef>
-          <a:effectRef idx="0">
-            <a:schemeClr val="accent1"/>
-          </a:effectRef>
-          <a:fontRef idx="minor">
-            <a:schemeClr val="lt1"/>
-          </a:fontRef>
-        </p:style>
-        <p:txBody>
-          <a:bodyPr rtlCol="0" anchor="ctr"/>
-          <a:lstStyle/>
-          <a:p>
-            <a:pPr algn="ctr"/>
-            <a:r>
-              <a:rPr lang="en-US" altLang="ko-KR" dirty="0" smtClean="0">
-                <a:solidFill>
-                  <a:schemeClr val="tx1"/>
-                </a:solidFill>
-                <a:latin typeface="D2Coding ligature" panose="020B0609020101020101" pitchFamily="49" charset="-127"/>
-                <a:ea typeface="D2Coding ligature" panose="020B0609020101020101" pitchFamily="49" charset="-127"/>
-              </a:rPr>
-              <a:t>Search</a:t>
-            </a:r>
-            <a:endParaRPr lang="ko-KR" altLang="en-US" dirty="0">
-              <a:solidFill>
-                <a:schemeClr val="tx1"/>
-              </a:solidFill>
-              <a:latin typeface="D2Coding ligature" panose="020B0609020101020101" pitchFamily="49" charset="-127"/>
-              <a:ea typeface="D2Coding ligature" panose="020B0609020101020101" pitchFamily="49" charset="-127"/>
-            </a:endParaRPr>
-          </a:p>
-        </p:txBody>
-      </p:sp>
-      <p:pic>
-        <p:nvPicPr>
-          <p:cNvPr id="31" name="Picture 4" descr="스마트 폰 - 무료 전자개 아이콘"/>
-          <p:cNvPicPr>
-            <a:picLocks noChangeAspect="1" noChangeArrowheads="1"/>
-          </p:cNvPicPr>
-          <p:nvPr/>
-        </p:nvPicPr>
-        <p:blipFill rotWithShape="1">
-          <a:blip r:embed="rId3">
-            <a:extLst>
-              <a:ext uri="{28A0092B-C50C-407E-A947-70E740481C1C}">
-                <a14:useLocalDpi xmlns:a14="http://schemas.microsoft.com/office/drawing/2010/main" val="0"/>
-              </a:ext>
-            </a:extLst>
-          </a:blip>
-          <a:srcRect l="27240" t="13357" r="28563" b="13462"/>
-          <a:stretch/>
-        </p:blipFill>
-        <p:spPr bwMode="auto">
-          <a:xfrm>
-            <a:off x="9358421" y="3656797"/>
-            <a:ext cx="982374" cy="1724804"/>
-          </a:xfrm>
-          <a:prstGeom prst="rect">
-            <a:avLst/>
-          </a:prstGeom>
-          <a:noFill/>
-          <a:extLst>
-            <a:ext uri="{909E8E84-426E-40DD-AFC4-6F175D3DCCD1}">
-              <a14:hiddenFill xmlns:a14="http://schemas.microsoft.com/office/drawing/2010/main">
-                <a:solidFill>
-                  <a:srgbClr val="FFFFFF"/>
-                </a:solidFill>
-              </a14:hiddenFill>
-            </a:ext>
-          </a:extLst>
-        </p:spPr>
-      </p:pic>
-      <p:pic>
-        <p:nvPicPr>
-          <p:cNvPr id="32" name="Picture 2" descr="컴퓨터 - 무료 컴퓨터개 아이콘"/>
-          <p:cNvPicPr>
-            <a:picLocks noChangeAspect="1" noChangeArrowheads="1"/>
-          </p:cNvPicPr>
-          <p:nvPr/>
-        </p:nvPicPr>
-        <p:blipFill rotWithShape="1">
-          <a:blip r:embed="rId4">
-            <a:extLst>
-              <a:ext uri="{28A0092B-C50C-407E-A947-70E740481C1C}">
-                <a14:useLocalDpi xmlns:a14="http://schemas.microsoft.com/office/drawing/2010/main" val="0"/>
-              </a:ext>
-            </a:extLst>
-          </a:blip>
-          <a:srcRect t="18454" b="18465"/>
-          <a:stretch/>
-        </p:blipFill>
-        <p:spPr bwMode="auto">
-          <a:xfrm>
-            <a:off x="8540354" y="1466438"/>
-            <a:ext cx="2618508" cy="1651794"/>
-          </a:xfrm>
-          <a:prstGeom prst="rect">
-            <a:avLst/>
-          </a:prstGeom>
-          <a:noFill/>
-          <a:extLst>
-            <a:ext uri="{909E8E84-426E-40DD-AFC4-6F175D3DCCD1}">
-              <a14:hiddenFill xmlns:a14="http://schemas.microsoft.com/office/drawing/2010/main">
-                <a:solidFill>
-                  <a:srgbClr val="FFFFFF"/>
-                </a:solidFill>
-              </a14:hiddenFill>
-            </a:ext>
-          </a:extLst>
-        </p:spPr>
-      </p:pic>
-      <p:sp>
-        <p:nvSpPr>
-          <p:cNvPr id="33" name="모서리가 둥근 직사각형 32"/>
-          <p:cNvSpPr/>
-          <p:nvPr/>
-        </p:nvSpPr>
-        <p:spPr>
-          <a:xfrm>
-            <a:off x="8354276" y="1202631"/>
-            <a:ext cx="3000375" cy="4633813"/>
-          </a:xfrm>
-          <a:prstGeom prst="roundRect">
-            <a:avLst/>
-          </a:prstGeom>
-          <a:noFill/>
-          <a:ln>
-            <a:solidFill>
-              <a:schemeClr val="tx1"/>
-            </a:solidFill>
-          </a:ln>
-        </p:spPr>
-        <p:style>
-          <a:lnRef idx="2">
-            <a:schemeClr val="accent1">
-              <a:shade val="50000"/>
-            </a:schemeClr>
-          </a:lnRef>
-          <a:fillRef idx="1">
-            <a:schemeClr val="accent1"/>
-          </a:fillRef>
-          <a:effectRef idx="0">
-            <a:schemeClr val="accent1"/>
-          </a:effectRef>
-          <a:fontRef idx="minor">
-            <a:schemeClr val="lt1"/>
-          </a:fontRef>
-        </p:style>
-        <p:txBody>
-          <a:bodyPr rtlCol="0" anchor="ctr"/>
-          <a:lstStyle/>
-          <a:p>
-            <a:pPr algn="ctr"/>
-            <a:endParaRPr lang="ko-KR" altLang="en-US"/>
-          </a:p>
-        </p:txBody>
-      </p:sp>
-      <p:sp>
-        <p:nvSpPr>
-          <p:cNvPr id="34" name="직사각형 33"/>
-          <p:cNvSpPr/>
-          <p:nvPr/>
-        </p:nvSpPr>
-        <p:spPr>
-          <a:xfrm>
-            <a:off x="8652268" y="1096903"/>
-            <a:ext cx="1070480" cy="234949"/>
-          </a:xfrm>
-          <a:prstGeom prst="rect">
-            <a:avLst/>
-          </a:prstGeom>
-          <a:solidFill>
-            <a:schemeClr val="bg1"/>
-          </a:solidFill>
-          <a:ln>
-            <a:solidFill>
-              <a:schemeClr val="bg1"/>
-            </a:solidFill>
-          </a:ln>
-        </p:spPr>
-        <p:style>
-          <a:lnRef idx="2">
-            <a:schemeClr val="accent1">
-              <a:shade val="50000"/>
-            </a:schemeClr>
-          </a:lnRef>
-          <a:fillRef idx="1">
-            <a:schemeClr val="accent1"/>
-          </a:fillRef>
-          <a:effectRef idx="0">
-            <a:schemeClr val="accent1"/>
-          </a:effectRef>
-          <a:fontRef idx="minor">
-            <a:schemeClr val="lt1"/>
-          </a:fontRef>
-        </p:style>
-        <p:txBody>
-          <a:bodyPr rtlCol="0" anchor="ctr"/>
-          <a:lstStyle/>
-          <a:p>
-            <a:pPr algn="ctr"/>
-            <a:r>
-              <a:rPr lang="en-US" altLang="ko-KR" dirty="0" smtClean="0">
-                <a:solidFill>
-                  <a:schemeClr val="tx1"/>
-                </a:solidFill>
-                <a:latin typeface="D2Coding ligature" panose="020B0609020101020101" pitchFamily="49" charset="-127"/>
-                <a:ea typeface="D2Coding ligature" panose="020B0609020101020101" pitchFamily="49" charset="-127"/>
-              </a:rPr>
-              <a:t>Buy</a:t>
-            </a:r>
-            <a:endParaRPr lang="ko-KR" altLang="en-US" dirty="0">
-              <a:solidFill>
-                <a:schemeClr val="tx1"/>
-              </a:solidFill>
-              <a:latin typeface="D2Coding ligature" panose="020B0609020101020101" pitchFamily="49" charset="-127"/>
-              <a:ea typeface="D2Coding ligature" panose="020B0609020101020101" pitchFamily="49" charset="-127"/>
-            </a:endParaRPr>
-          </a:p>
-        </p:txBody>
-      </p:sp>
-      <p:grpSp>
-        <p:nvGrpSpPr>
-          <p:cNvPr id="45" name="그룹 44"/>
-          <p:cNvGrpSpPr/>
-          <p:nvPr/>
-        </p:nvGrpSpPr>
-        <p:grpSpPr>
-          <a:xfrm>
-            <a:off x="1558486" y="3363990"/>
-            <a:ext cx="2650229" cy="2363322"/>
-            <a:chOff x="1429899" y="3349702"/>
-            <a:chExt cx="2650229" cy="2363322"/>
-          </a:xfrm>
-        </p:grpSpPr>
+            </a:ln>
+          </p:spPr>
+          <p:style>
+            <a:lnRef idx="2">
+              <a:schemeClr val="accent1">
+                <a:shade val="50000"/>
+              </a:schemeClr>
+            </a:lnRef>
+            <a:fillRef idx="1">
+              <a:schemeClr val="accent1"/>
+            </a:fillRef>
+            <a:effectRef idx="0">
+              <a:schemeClr val="accent1"/>
+            </a:effectRef>
+            <a:fontRef idx="minor">
+              <a:schemeClr val="lt1"/>
+            </a:fontRef>
+          </p:style>
+          <p:txBody>
+            <a:bodyPr rtlCol="0" anchor="ctr"/>
+            <a:lstStyle/>
+            <a:p>
+              <a:pPr algn="ctr"/>
+              <a:endParaRPr lang="ko-KR" altLang="en-US"/>
+            </a:p>
+          </p:txBody>
+        </p:sp>
         <p:pic>
           <p:nvPicPr>
-            <p:cNvPr id="16" name="Picture 4" descr="스마트 폰 - 무료 전자개 아이콘"/>
+            <p:cNvPr id="5" name="그림 4"/>
+            <p:cNvPicPr>
+              <a:picLocks noChangeAspect="1"/>
+            </p:cNvPicPr>
+            <p:nvPr/>
+          </p:nvPicPr>
+          <p:blipFill rotWithShape="1">
+            <a:blip r:embed="rId6" cstate="print">
+              <a:extLst>
+                <a:ext uri="{28A0092B-C50C-407E-A947-70E740481C1C}">
+                  <a14:useLocalDpi xmlns:a14="http://schemas.microsoft.com/office/drawing/2010/main" val="0"/>
+                </a:ext>
+              </a:extLst>
+            </a:blip>
+            <a:srcRect t="7706" b="6264"/>
+            <a:stretch/>
+          </p:blipFill>
+          <p:spPr>
+            <a:xfrm>
+              <a:off x="3802245" y="1384291"/>
+              <a:ext cx="867473" cy="1612107"/>
+            </a:xfrm>
+            <a:prstGeom prst="rect">
+              <a:avLst/>
+            </a:prstGeom>
+          </p:spPr>
+        </p:pic>
+        <p:pic>
+          <p:nvPicPr>
+            <p:cNvPr id="1028" name="Picture 4" descr="스마트 폰 - 무료 전자개 아이콘"/>
             <p:cNvPicPr>
               <a:picLocks noChangeAspect="1" noChangeArrowheads="1"/>
             </p:cNvPicPr>
             <p:nvPr/>
           </p:nvPicPr>
           <p:blipFill rotWithShape="1">
-            <a:blip r:embed="rId3">
+            <a:blip r:embed="rId7">
               <a:extLst>
                 <a:ext uri="{28A0092B-C50C-407E-A947-70E740481C1C}">
                   <a14:useLocalDpi xmlns:a14="http://schemas.microsoft.com/office/drawing/2010/main" val="0"/>
@@ -3702,7 +3308,7 @@
           </p:blipFill>
           <p:spPr bwMode="auto">
             <a:xfrm>
-              <a:off x="1429899" y="3988220"/>
+              <a:off x="3744795" y="1327943"/>
               <a:ext cx="982374" cy="1724804"/>
             </a:xfrm>
             <a:prstGeom prst="rect">
@@ -3722,27 +3328,27 @@
         </p:pic>
         <p:pic>
           <p:nvPicPr>
-            <p:cNvPr id="17" name="Picture 4" descr="스마트 폰 - 무료 전자개 아이콘"/>
+            <p:cNvPr id="1026" name="Picture 2" descr="컴퓨터 - 무료 컴퓨터개 아이콘"/>
             <p:cNvPicPr>
               <a:picLocks noChangeAspect="1" noChangeArrowheads="1"/>
             </p:cNvPicPr>
             <p:nvPr/>
           </p:nvPicPr>
           <p:blipFill rotWithShape="1">
-            <a:blip r:embed="rId3">
+            <a:blip r:embed="rId8">
               <a:extLst>
                 <a:ext uri="{28A0092B-C50C-407E-A947-70E740481C1C}">
                   <a14:useLocalDpi xmlns:a14="http://schemas.microsoft.com/office/drawing/2010/main" val="0"/>
                 </a:ext>
               </a:extLst>
             </a:blip>
-            <a:srcRect l="27240" t="13357" r="28563" b="13462"/>
+            <a:srcRect t="18454" b="18465"/>
             <a:stretch/>
           </p:blipFill>
           <p:spPr bwMode="auto">
             <a:xfrm>
-              <a:off x="3097754" y="3983439"/>
-              <a:ext cx="982374" cy="1724804"/>
+              <a:off x="911926" y="1340644"/>
+              <a:ext cx="2618508" cy="1651794"/>
             </a:xfrm>
             <a:prstGeom prst="rect">
               <a:avLst/>
@@ -3759,6 +3365,407 @@
             </a:extLst>
           </p:spPr>
         </p:pic>
+        <p:pic>
+          <p:nvPicPr>
+            <p:cNvPr id="13" name="Picture 2" descr="컴퓨터 - 무료 컴퓨터개 아이콘"/>
+            <p:cNvPicPr>
+              <a:picLocks noChangeAspect="1" noChangeArrowheads="1"/>
+            </p:cNvPicPr>
+            <p:nvPr/>
+          </p:nvPicPr>
+          <p:blipFill rotWithShape="1">
+            <a:blip r:embed="rId8">
+              <a:extLst>
+                <a:ext uri="{28A0092B-C50C-407E-A947-70E740481C1C}">
+                  <a14:useLocalDpi xmlns:a14="http://schemas.microsoft.com/office/drawing/2010/main" val="0"/>
+                </a:ext>
+              </a:extLst>
+            </a:blip>
+            <a:srcRect t="18454" b="18465"/>
+            <a:stretch/>
+          </p:blipFill>
+          <p:spPr bwMode="auto">
+            <a:xfrm>
+              <a:off x="5353901" y="1475230"/>
+              <a:ext cx="2618508" cy="1651794"/>
+            </a:xfrm>
+            <a:prstGeom prst="rect">
+              <a:avLst/>
+            </a:prstGeom>
+            <a:noFill/>
+            <a:extLst>
+              <a:ext uri="{909E8E84-426E-40DD-AFC4-6F175D3DCCD1}">
+                <a14:hiddenFill xmlns:a14="http://schemas.microsoft.com/office/drawing/2010/main">
+                  <a:solidFill>
+                    <a:srgbClr val="FFFFFF"/>
+                  </a:solidFill>
+                </a14:hiddenFill>
+              </a:ext>
+            </a:extLst>
+          </p:spPr>
+        </p:pic>
+        <p:sp>
+          <p:nvSpPr>
+            <p:cNvPr id="18" name="직사각형 17"/>
+            <p:cNvSpPr/>
+            <p:nvPr/>
+          </p:nvSpPr>
+          <p:spPr>
+            <a:xfrm>
+              <a:off x="1036926" y="1089759"/>
+              <a:ext cx="1070480" cy="234949"/>
+            </a:xfrm>
+            <a:prstGeom prst="rect">
+              <a:avLst/>
+            </a:prstGeom>
+            <a:solidFill>
+              <a:schemeClr val="bg1"/>
+            </a:solidFill>
+            <a:ln>
+              <a:solidFill>
+                <a:schemeClr val="bg1"/>
+              </a:solidFill>
+            </a:ln>
+          </p:spPr>
+          <p:style>
+            <a:lnRef idx="2">
+              <a:schemeClr val="accent1">
+                <a:shade val="50000"/>
+              </a:schemeClr>
+            </a:lnRef>
+            <a:fillRef idx="1">
+              <a:schemeClr val="accent1"/>
+            </a:fillRef>
+            <a:effectRef idx="0">
+              <a:schemeClr val="accent1"/>
+            </a:effectRef>
+            <a:fontRef idx="minor">
+              <a:schemeClr val="lt1"/>
+            </a:fontRef>
+          </p:style>
+          <p:txBody>
+            <a:bodyPr rtlCol="0" anchor="ctr"/>
+            <a:lstStyle/>
+            <a:p>
+              <a:pPr algn="ctr"/>
+              <a:r>
+                <a:rPr lang="en-US" altLang="ko-KR" dirty="0" smtClean="0">
+                  <a:solidFill>
+                    <a:schemeClr val="tx1"/>
+                  </a:solidFill>
+                  <a:latin typeface="D2Coding ligature" panose="020B0609020101020101" pitchFamily="49" charset="-127"/>
+                  <a:ea typeface="D2Coding ligature" panose="020B0609020101020101" pitchFamily="49" charset="-127"/>
+                </a:rPr>
+                <a:t>React</a:t>
+              </a:r>
+              <a:endParaRPr lang="ko-KR" altLang="en-US" dirty="0">
+                <a:solidFill>
+                  <a:schemeClr val="tx1"/>
+                </a:solidFill>
+                <a:latin typeface="D2Coding ligature" panose="020B0609020101020101" pitchFamily="49" charset="-127"/>
+                <a:ea typeface="D2Coding ligature" panose="020B0609020101020101" pitchFamily="49" charset="-127"/>
+              </a:endParaRPr>
+            </a:p>
+          </p:txBody>
+        </p:sp>
+        <p:sp>
+          <p:nvSpPr>
+            <p:cNvPr id="24" name="모서리가 둥근 직사각형 23"/>
+            <p:cNvSpPr/>
+            <p:nvPr/>
+          </p:nvSpPr>
+          <p:spPr>
+            <a:xfrm>
+              <a:off x="5167823" y="1211423"/>
+              <a:ext cx="3000375" cy="4625021"/>
+            </a:xfrm>
+            <a:prstGeom prst="roundRect">
+              <a:avLst/>
+            </a:prstGeom>
+            <a:noFill/>
+            <a:ln>
+              <a:solidFill>
+                <a:schemeClr val="tx1"/>
+              </a:solidFill>
+            </a:ln>
+          </p:spPr>
+          <p:style>
+            <a:lnRef idx="2">
+              <a:schemeClr val="accent1">
+                <a:shade val="50000"/>
+              </a:schemeClr>
+            </a:lnRef>
+            <a:fillRef idx="1">
+              <a:schemeClr val="accent1"/>
+            </a:fillRef>
+            <a:effectRef idx="0">
+              <a:schemeClr val="accent1"/>
+            </a:effectRef>
+            <a:fontRef idx="minor">
+              <a:schemeClr val="lt1"/>
+            </a:fontRef>
+          </p:style>
+          <p:txBody>
+            <a:bodyPr rtlCol="0" anchor="ctr"/>
+            <a:lstStyle/>
+            <a:p>
+              <a:pPr algn="ctr"/>
+              <a:endParaRPr lang="ko-KR" altLang="en-US"/>
+            </a:p>
+          </p:txBody>
+        </p:sp>
+        <p:sp>
+          <p:nvSpPr>
+            <p:cNvPr id="25" name="직사각형 24"/>
+            <p:cNvSpPr/>
+            <p:nvPr/>
+          </p:nvSpPr>
+          <p:spPr>
+            <a:xfrm>
+              <a:off x="5465815" y="1105695"/>
+              <a:ext cx="1070480" cy="234949"/>
+            </a:xfrm>
+            <a:prstGeom prst="rect">
+              <a:avLst/>
+            </a:prstGeom>
+            <a:solidFill>
+              <a:schemeClr val="bg1"/>
+            </a:solidFill>
+            <a:ln>
+              <a:solidFill>
+                <a:schemeClr val="bg1"/>
+              </a:solidFill>
+            </a:ln>
+          </p:spPr>
+          <p:style>
+            <a:lnRef idx="2">
+              <a:schemeClr val="accent1">
+                <a:shade val="50000"/>
+              </a:schemeClr>
+            </a:lnRef>
+            <a:fillRef idx="1">
+              <a:schemeClr val="accent1"/>
+            </a:fillRef>
+            <a:effectRef idx="0">
+              <a:schemeClr val="accent1"/>
+            </a:effectRef>
+            <a:fontRef idx="minor">
+              <a:schemeClr val="lt1"/>
+            </a:fontRef>
+          </p:style>
+          <p:txBody>
+            <a:bodyPr rtlCol="0" anchor="ctr"/>
+            <a:lstStyle/>
+            <a:p>
+              <a:pPr algn="ctr"/>
+              <a:r>
+                <a:rPr lang="en-US" altLang="ko-KR" dirty="0" smtClean="0">
+                  <a:solidFill>
+                    <a:schemeClr val="tx1"/>
+                  </a:solidFill>
+                  <a:latin typeface="D2Coding ligature" panose="020B0609020101020101" pitchFamily="49" charset="-127"/>
+                  <a:ea typeface="D2Coding ligature" panose="020B0609020101020101" pitchFamily="49" charset="-127"/>
+                </a:rPr>
+                <a:t>Search</a:t>
+              </a:r>
+              <a:endParaRPr lang="ko-KR" altLang="en-US" dirty="0">
+                <a:solidFill>
+                  <a:schemeClr val="tx1"/>
+                </a:solidFill>
+                <a:latin typeface="D2Coding ligature" panose="020B0609020101020101" pitchFamily="49" charset="-127"/>
+                <a:ea typeface="D2Coding ligature" panose="020B0609020101020101" pitchFamily="49" charset="-127"/>
+              </a:endParaRPr>
+            </a:p>
+          </p:txBody>
+        </p:sp>
+        <p:pic>
+          <p:nvPicPr>
+            <p:cNvPr id="31" name="Picture 4" descr="스마트 폰 - 무료 전자개 아이콘"/>
+            <p:cNvPicPr>
+              <a:picLocks noChangeAspect="1" noChangeArrowheads="1"/>
+            </p:cNvPicPr>
+            <p:nvPr/>
+          </p:nvPicPr>
+          <p:blipFill rotWithShape="1">
+            <a:blip r:embed="rId7">
+              <a:extLst>
+                <a:ext uri="{28A0092B-C50C-407E-A947-70E740481C1C}">
+                  <a14:useLocalDpi xmlns:a14="http://schemas.microsoft.com/office/drawing/2010/main" val="0"/>
+                </a:ext>
+              </a:extLst>
+            </a:blip>
+            <a:srcRect l="27240" t="13357" r="28563" b="13462"/>
+            <a:stretch/>
+          </p:blipFill>
+          <p:spPr bwMode="auto">
+            <a:xfrm>
+              <a:off x="9358421" y="3656797"/>
+              <a:ext cx="982374" cy="1888980"/>
+            </a:xfrm>
+            <a:prstGeom prst="rect">
+              <a:avLst/>
+            </a:prstGeom>
+            <a:noFill/>
+            <a:extLst>
+              <a:ext uri="{909E8E84-426E-40DD-AFC4-6F175D3DCCD1}">
+                <a14:hiddenFill xmlns:a14="http://schemas.microsoft.com/office/drawing/2010/main">
+                  <a:solidFill>
+                    <a:srgbClr val="FFFFFF"/>
+                  </a:solidFill>
+                </a14:hiddenFill>
+              </a:ext>
+            </a:extLst>
+          </p:spPr>
+        </p:pic>
+        <p:pic>
+          <p:nvPicPr>
+            <p:cNvPr id="32" name="Picture 2" descr="컴퓨터 - 무료 컴퓨터개 아이콘"/>
+            <p:cNvPicPr>
+              <a:picLocks noChangeAspect="1" noChangeArrowheads="1"/>
+            </p:cNvPicPr>
+            <p:nvPr/>
+          </p:nvPicPr>
+          <p:blipFill rotWithShape="1">
+            <a:blip r:embed="rId8">
+              <a:extLst>
+                <a:ext uri="{28A0092B-C50C-407E-A947-70E740481C1C}">
+                  <a14:useLocalDpi xmlns:a14="http://schemas.microsoft.com/office/drawing/2010/main" val="0"/>
+                </a:ext>
+              </a:extLst>
+            </a:blip>
+            <a:srcRect t="18454" b="18465"/>
+            <a:stretch/>
+          </p:blipFill>
+          <p:spPr bwMode="auto">
+            <a:xfrm>
+              <a:off x="8540354" y="1466438"/>
+              <a:ext cx="2618508" cy="1651794"/>
+            </a:xfrm>
+            <a:prstGeom prst="rect">
+              <a:avLst/>
+            </a:prstGeom>
+            <a:noFill/>
+            <a:extLst>
+              <a:ext uri="{909E8E84-426E-40DD-AFC4-6F175D3DCCD1}">
+                <a14:hiddenFill xmlns:a14="http://schemas.microsoft.com/office/drawing/2010/main">
+                  <a:solidFill>
+                    <a:srgbClr val="FFFFFF"/>
+                  </a:solidFill>
+                </a14:hiddenFill>
+              </a:ext>
+            </a:extLst>
+          </p:spPr>
+        </p:pic>
+        <p:sp>
+          <p:nvSpPr>
+            <p:cNvPr id="33" name="모서리가 둥근 직사각형 32"/>
+            <p:cNvSpPr/>
+            <p:nvPr/>
+          </p:nvSpPr>
+          <p:spPr>
+            <a:xfrm>
+              <a:off x="8354276" y="1202631"/>
+              <a:ext cx="3000375" cy="4633813"/>
+            </a:xfrm>
+            <a:prstGeom prst="roundRect">
+              <a:avLst/>
+            </a:prstGeom>
+            <a:noFill/>
+            <a:ln>
+              <a:solidFill>
+                <a:schemeClr val="tx1"/>
+              </a:solidFill>
+            </a:ln>
+          </p:spPr>
+          <p:style>
+            <a:lnRef idx="2">
+              <a:schemeClr val="accent1">
+                <a:shade val="50000"/>
+              </a:schemeClr>
+            </a:lnRef>
+            <a:fillRef idx="1">
+              <a:schemeClr val="accent1"/>
+            </a:fillRef>
+            <a:effectRef idx="0">
+              <a:schemeClr val="accent1"/>
+            </a:effectRef>
+            <a:fontRef idx="minor">
+              <a:schemeClr val="lt1"/>
+            </a:fontRef>
+          </p:style>
+          <p:txBody>
+            <a:bodyPr rtlCol="0" anchor="ctr"/>
+            <a:lstStyle/>
+            <a:p>
+              <a:pPr algn="ctr"/>
+              <a:endParaRPr lang="ko-KR" altLang="en-US"/>
+            </a:p>
+          </p:txBody>
+        </p:sp>
+        <p:sp>
+          <p:nvSpPr>
+            <p:cNvPr id="34" name="직사각형 33"/>
+            <p:cNvSpPr/>
+            <p:nvPr/>
+          </p:nvSpPr>
+          <p:spPr>
+            <a:xfrm>
+              <a:off x="8652268" y="1096903"/>
+              <a:ext cx="1070480" cy="234949"/>
+            </a:xfrm>
+            <a:prstGeom prst="rect">
+              <a:avLst/>
+            </a:prstGeom>
+            <a:solidFill>
+              <a:schemeClr val="bg1"/>
+            </a:solidFill>
+            <a:ln>
+              <a:solidFill>
+                <a:schemeClr val="bg1"/>
+              </a:solidFill>
+            </a:ln>
+          </p:spPr>
+          <p:style>
+            <a:lnRef idx="2">
+              <a:schemeClr val="accent1">
+                <a:shade val="50000"/>
+              </a:schemeClr>
+            </a:lnRef>
+            <a:fillRef idx="1">
+              <a:schemeClr val="accent1"/>
+            </a:fillRef>
+            <a:effectRef idx="0">
+              <a:schemeClr val="accent1"/>
+            </a:effectRef>
+            <a:fontRef idx="minor">
+              <a:schemeClr val="lt1"/>
+            </a:fontRef>
+          </p:style>
+          <p:txBody>
+            <a:bodyPr rtlCol="0" anchor="ctr"/>
+            <a:lstStyle/>
+            <a:p>
+              <a:pPr algn="ctr"/>
+              <a:r>
+                <a:rPr lang="en-US" altLang="ko-KR" dirty="0" smtClean="0">
+                  <a:solidFill>
+                    <a:schemeClr val="tx1"/>
+                  </a:solidFill>
+                  <a:latin typeface="D2Coding ligature" panose="020B0609020101020101" pitchFamily="49" charset="-127"/>
+                  <a:ea typeface="D2Coding ligature" panose="020B0609020101020101" pitchFamily="49" charset="-127"/>
+                </a:rPr>
+                <a:t>Buy</a:t>
+              </a:r>
+              <a:endParaRPr lang="ko-KR" altLang="en-US" dirty="0">
+                <a:solidFill>
+                  <a:schemeClr val="tx1"/>
+                </a:solidFill>
+                <a:latin typeface="D2Coding ligature" panose="020B0609020101020101" pitchFamily="49" charset="-127"/>
+                <a:ea typeface="D2Coding ligature" panose="020B0609020101020101" pitchFamily="49" charset="-127"/>
+              </a:endParaRPr>
+            </a:p>
+          </p:txBody>
+        </p:sp>
         <p:grpSp>
           <p:nvGrpSpPr>
             <p:cNvPr id="43" name="그룹 42"/>
@@ -3767,7 +3774,7 @@
           </p:nvGrpSpPr>
           <p:grpSpPr>
             <a:xfrm>
-              <a:off x="3311251" y="3349702"/>
+              <a:off x="1799288" y="4295434"/>
               <a:ext cx="555380" cy="576822"/>
               <a:chOff x="4414289" y="5002242"/>
               <a:chExt cx="555380" cy="576822"/>
@@ -3830,7 +3837,7 @@
               <p:nvPr/>
             </p:nvPicPr>
             <p:blipFill rotWithShape="1">
-              <a:blip r:embed="rId5" cstate="print">
+              <a:blip r:embed="rId9" cstate="print">
                 <a:extLst>
                   <a:ext uri="{28A0092B-C50C-407E-A947-70E740481C1C}">
                     <a14:useLocalDpi xmlns:a14="http://schemas.microsoft.com/office/drawing/2010/main" val="0"/>
@@ -3869,7 +3876,7 @@
           </p:nvGrpSpPr>
           <p:grpSpPr>
             <a:xfrm>
-              <a:off x="1643396" y="3362092"/>
+              <a:off x="3425763" y="4304226"/>
               <a:ext cx="555380" cy="568030"/>
               <a:chOff x="2868459" y="5011034"/>
               <a:chExt cx="555380" cy="568030"/>
@@ -3932,7 +3939,7 @@
               <p:nvPr/>
             </p:nvPicPr>
             <p:blipFill rotWithShape="1">
-              <a:blip r:embed="rId6" cstate="print">
+              <a:blip r:embed="rId10" cstate="print">
                 <a:extLst>
                   <a:ext uri="{28A0092B-C50C-407E-A947-70E740481C1C}">
                     <a14:useLocalDpi xmlns:a14="http://schemas.microsoft.com/office/drawing/2010/main" val="0"/>
@@ -3963,6 +3970,142 @@
             </p:spPr>
           </p:pic>
         </p:grpSp>
+        <p:pic>
+          <p:nvPicPr>
+            <p:cNvPr id="6" name="그림 5"/>
+            <p:cNvPicPr>
+              <a:picLocks noChangeAspect="1"/>
+            </p:cNvPicPr>
+            <p:nvPr/>
+          </p:nvPicPr>
+          <p:blipFill rotWithShape="1">
+            <a:blip r:embed="rId11" cstate="print">
+              <a:extLst>
+                <a:ext uri="{28A0092B-C50C-407E-A947-70E740481C1C}">
+                  <a14:useLocalDpi xmlns:a14="http://schemas.microsoft.com/office/drawing/2010/main" val="0"/>
+                </a:ext>
+              </a:extLst>
+            </a:blip>
+            <a:srcRect t="4352" b="5719"/>
+            <a:stretch/>
+          </p:blipFill>
+          <p:spPr>
+            <a:xfrm>
+              <a:off x="2473988" y="3706377"/>
+              <a:ext cx="836730" cy="1672158"/>
+            </a:xfrm>
+            <a:prstGeom prst="rect">
+              <a:avLst/>
+            </a:prstGeom>
+          </p:spPr>
+        </p:pic>
+        <p:pic>
+          <p:nvPicPr>
+            <p:cNvPr id="7" name="그림 6"/>
+            <p:cNvPicPr>
+              <a:picLocks noChangeAspect="1"/>
+            </p:cNvPicPr>
+            <p:nvPr/>
+          </p:nvPicPr>
+          <p:blipFill rotWithShape="1">
+            <a:blip r:embed="rId12" cstate="print">
+              <a:extLst>
+                <a:ext uri="{28A0092B-C50C-407E-A947-70E740481C1C}">
+                  <a14:useLocalDpi xmlns:a14="http://schemas.microsoft.com/office/drawing/2010/main" val="0"/>
+                </a:ext>
+              </a:extLst>
+            </a:blip>
+            <a:srcRect t="3715" b="5906"/>
+            <a:stretch/>
+          </p:blipFill>
+          <p:spPr>
+            <a:xfrm>
+              <a:off x="6237579" y="3710638"/>
+              <a:ext cx="851151" cy="1709464"/>
+            </a:xfrm>
+            <a:prstGeom prst="rect">
+              <a:avLst/>
+            </a:prstGeom>
+          </p:spPr>
+        </p:pic>
+        <p:pic>
+          <p:nvPicPr>
+            <p:cNvPr id="37" name="Picture 4" descr="스마트 폰 - 무료 전자개 아이콘"/>
+            <p:cNvPicPr>
+              <a:picLocks noChangeAspect="1" noChangeArrowheads="1"/>
+            </p:cNvPicPr>
+            <p:nvPr/>
+          </p:nvPicPr>
+          <p:blipFill rotWithShape="1">
+            <a:blip r:embed="rId7">
+              <a:extLst>
+                <a:ext uri="{28A0092B-C50C-407E-A947-70E740481C1C}">
+                  <a14:useLocalDpi xmlns:a14="http://schemas.microsoft.com/office/drawing/2010/main" val="0"/>
+                </a:ext>
+              </a:extLst>
+            </a:blip>
+            <a:srcRect l="27240" t="13357" r="28563" b="13462"/>
+            <a:stretch/>
+          </p:blipFill>
+          <p:spPr bwMode="auto">
+            <a:xfrm>
+              <a:off x="6171968" y="3656797"/>
+              <a:ext cx="982374" cy="1888980"/>
+            </a:xfrm>
+            <a:prstGeom prst="rect">
+              <a:avLst/>
+            </a:prstGeom>
+            <a:noFill/>
+            <a:extLst>
+              <a:ext uri="{909E8E84-426E-40DD-AFC4-6F175D3DCCD1}">
+                <a14:hiddenFill xmlns:a14="http://schemas.microsoft.com/office/drawing/2010/main">
+                  <a:solidFill>
+                    <a:srgbClr val="FFFFFF"/>
+                  </a:solidFill>
+                </a14:hiddenFill>
+              </a:ext>
+            </a:extLst>
+          </p:spPr>
+        </p:pic>
+        <p:pic>
+          <p:nvPicPr>
+            <p:cNvPr id="39" name="Picture 4" descr="스마트 폰 - 무료 전자개 아이콘"/>
+            <p:cNvPicPr>
+              <a:picLocks noChangeAspect="1" noChangeArrowheads="1"/>
+            </p:cNvPicPr>
+            <p:nvPr/>
+          </p:nvPicPr>
+          <p:blipFill rotWithShape="1">
+            <a:blip r:embed="rId7">
+              <a:extLst>
+                <a:ext uri="{28A0092B-C50C-407E-A947-70E740481C1C}">
+                  <a14:useLocalDpi xmlns:a14="http://schemas.microsoft.com/office/drawing/2010/main" val="0"/>
+                </a:ext>
+              </a:extLst>
+            </a:blip>
+            <a:srcRect l="27240" t="13357" r="28563" b="13462"/>
+            <a:stretch/>
+          </p:blipFill>
+          <p:spPr bwMode="auto">
+            <a:xfrm>
+              <a:off x="2396556" y="3620880"/>
+              <a:ext cx="982374" cy="1888980"/>
+            </a:xfrm>
+            <a:prstGeom prst="rect">
+              <a:avLst/>
+            </a:prstGeom>
+            <a:noFill/>
+            <a:extLst>
+              <a:ext uri="{909E8E84-426E-40DD-AFC4-6F175D3DCCD1}">
+                <a14:hiddenFill xmlns:a14="http://schemas.microsoft.com/office/drawing/2010/main">
+                  <a:solidFill>
+                    <a:srgbClr val="FFFFFF"/>
+                  </a:solidFill>
+                </a14:hiddenFill>
+              </a:ext>
+            </a:extLst>
+          </p:spPr>
+        </p:pic>
       </p:grpSp>
     </p:spTree>
     <p:extLst>

--- a/doc/책자/책자 이미지.pptx
+++ b/doc/책자/책자 이미지.pptx
@@ -6,6 +6,7 @@
   </p:sldMasterIdLst>
   <p:sldIdLst>
     <p:sldId id="256" r:id="rId2"/>
+    <p:sldId id="257" r:id="rId3"/>
   </p:sldIdLst>
   <p:sldSz cx="12192000" cy="6858000"/>
   <p:notesSz cx="6858000" cy="9144000"/>
@@ -2969,264 +2970,820 @@
           <a:chExt cx="0" cy="0"/>
         </a:xfrm>
       </p:grpSpPr>
+      <p:pic>
+        <p:nvPicPr>
+          <p:cNvPr id="8" name="그림 7"/>
+          <p:cNvPicPr>
+            <a:picLocks noChangeAspect="1"/>
+          </p:cNvPicPr>
+          <p:nvPr/>
+        </p:nvPicPr>
+        <p:blipFill rotWithShape="1">
+          <a:blip r:embed="rId2" cstate="print">
+            <a:extLst>
+              <a:ext uri="{28A0092B-C50C-407E-A947-70E740481C1C}">
+                <a14:useLocalDpi xmlns:a14="http://schemas.microsoft.com/office/drawing/2010/main" val="0"/>
+              </a:ext>
+            </a:extLst>
+          </a:blip>
+          <a:srcRect t="3746" b="5618"/>
+          <a:stretch/>
+        </p:blipFill>
+        <p:spPr>
+          <a:xfrm>
+            <a:off x="9431986" y="3475110"/>
+            <a:ext cx="872610" cy="1757548"/>
+          </a:xfrm>
+          <a:prstGeom prst="rect">
+            <a:avLst/>
+          </a:prstGeom>
+        </p:spPr>
+      </p:pic>
+      <p:pic>
+        <p:nvPicPr>
+          <p:cNvPr id="3" name="그림 2"/>
+          <p:cNvPicPr>
+            <a:picLocks noChangeAspect="1"/>
+          </p:cNvPicPr>
+          <p:nvPr/>
+        </p:nvPicPr>
+        <p:blipFill>
+          <a:blip r:embed="rId3" cstate="print">
+            <a:extLst>
+              <a:ext uri="{28A0092B-C50C-407E-A947-70E740481C1C}">
+                <a14:useLocalDpi xmlns:a14="http://schemas.microsoft.com/office/drawing/2010/main" val="0"/>
+              </a:ext>
+            </a:extLst>
+          </a:blip>
+          <a:stretch>
+            <a:fillRect/>
+          </a:stretch>
+        </p:blipFill>
+        <p:spPr>
+          <a:xfrm>
+            <a:off x="5441352" y="1391620"/>
+            <a:ext cx="1556468" cy="875514"/>
+          </a:xfrm>
+          <a:prstGeom prst="rect">
+            <a:avLst/>
+          </a:prstGeom>
+        </p:spPr>
+      </p:pic>
+      <p:pic>
+        <p:nvPicPr>
+          <p:cNvPr id="4" name="그림 3"/>
+          <p:cNvPicPr>
+            <a:picLocks noChangeAspect="1"/>
+          </p:cNvPicPr>
+          <p:nvPr/>
+        </p:nvPicPr>
+        <p:blipFill>
+          <a:blip r:embed="rId4" cstate="print">
+            <a:extLst>
+              <a:ext uri="{28A0092B-C50C-407E-A947-70E740481C1C}">
+                <a14:useLocalDpi xmlns:a14="http://schemas.microsoft.com/office/drawing/2010/main" val="0"/>
+              </a:ext>
+            </a:extLst>
+          </a:blip>
+          <a:stretch>
+            <a:fillRect/>
+          </a:stretch>
+        </p:blipFill>
+        <p:spPr>
+          <a:xfrm>
+            <a:off x="8635827" y="1391620"/>
+            <a:ext cx="1556469" cy="875514"/>
+          </a:xfrm>
+          <a:prstGeom prst="rect">
+            <a:avLst/>
+          </a:prstGeom>
+        </p:spPr>
+      </p:pic>
+      <p:pic>
+        <p:nvPicPr>
+          <p:cNvPr id="2" name="그림 1"/>
+          <p:cNvPicPr>
+            <a:picLocks noChangeAspect="1"/>
+          </p:cNvPicPr>
+          <p:nvPr/>
+        </p:nvPicPr>
+        <p:blipFill>
+          <a:blip r:embed="rId5" cstate="print">
+            <a:extLst>
+              <a:ext uri="{28A0092B-C50C-407E-A947-70E740481C1C}">
+                <a14:useLocalDpi xmlns:a14="http://schemas.microsoft.com/office/drawing/2010/main" val="0"/>
+              </a:ext>
+            </a:extLst>
+          </a:blip>
+          <a:stretch>
+            <a:fillRect/>
+          </a:stretch>
+        </p:blipFill>
+        <p:spPr>
+          <a:xfrm>
+            <a:off x="1002326" y="1249111"/>
+            <a:ext cx="1556468" cy="875512"/>
+          </a:xfrm>
+          <a:prstGeom prst="rect">
+            <a:avLst/>
+          </a:prstGeom>
+        </p:spPr>
+      </p:pic>
+      <p:sp>
+        <p:nvSpPr>
+          <p:cNvPr id="10" name="모서리가 둥근 직사각형 9"/>
+          <p:cNvSpPr/>
+          <p:nvPr/>
+        </p:nvSpPr>
+        <p:spPr>
+          <a:xfrm>
+            <a:off x="832489" y="3001066"/>
+            <a:ext cx="4129088" cy="2587975"/>
+          </a:xfrm>
+          <a:prstGeom prst="roundRect">
+            <a:avLst/>
+          </a:prstGeom>
+          <a:noFill/>
+          <a:ln>
+            <a:solidFill>
+              <a:schemeClr val="tx1"/>
+            </a:solidFill>
+          </a:ln>
+        </p:spPr>
+        <p:style>
+          <a:lnRef idx="2">
+            <a:schemeClr val="accent1">
+              <a:shade val="50000"/>
+            </a:schemeClr>
+          </a:lnRef>
+          <a:fillRef idx="1">
+            <a:schemeClr val="accent1"/>
+          </a:fillRef>
+          <a:effectRef idx="0">
+            <a:schemeClr val="accent1"/>
+          </a:effectRef>
+          <a:fontRef idx="minor">
+            <a:schemeClr val="lt1"/>
+          </a:fontRef>
+        </p:style>
+        <p:txBody>
+          <a:bodyPr rtlCol="0" anchor="ctr"/>
+          <a:lstStyle/>
+          <a:p>
+            <a:pPr algn="dist"/>
+            <a:endParaRPr lang="ko-KR" altLang="en-US" dirty="0"/>
+          </a:p>
+        </p:txBody>
+      </p:sp>
+      <p:sp>
+        <p:nvSpPr>
+          <p:cNvPr id="22" name="직사각형 21"/>
+          <p:cNvSpPr/>
+          <p:nvPr/>
+        </p:nvSpPr>
+        <p:spPr>
+          <a:xfrm>
+            <a:off x="1045503" y="2881638"/>
+            <a:ext cx="1070480" cy="234949"/>
+          </a:xfrm>
+          <a:prstGeom prst="rect">
+            <a:avLst/>
+          </a:prstGeom>
+          <a:solidFill>
+            <a:schemeClr val="bg1"/>
+          </a:solidFill>
+          <a:ln>
+            <a:solidFill>
+              <a:schemeClr val="bg1"/>
+            </a:solidFill>
+          </a:ln>
+        </p:spPr>
+        <p:style>
+          <a:lnRef idx="2">
+            <a:schemeClr val="accent1">
+              <a:shade val="50000"/>
+            </a:schemeClr>
+          </a:lnRef>
+          <a:fillRef idx="1">
+            <a:schemeClr val="accent1"/>
+          </a:fillRef>
+          <a:effectRef idx="0">
+            <a:schemeClr val="accent1"/>
+          </a:effectRef>
+          <a:fontRef idx="minor">
+            <a:schemeClr val="lt1"/>
+          </a:fontRef>
+        </p:style>
+        <p:txBody>
+          <a:bodyPr rtlCol="0" anchor="ctr"/>
+          <a:lstStyle/>
+          <a:p>
+            <a:pPr algn="ctr"/>
+            <a:r>
+              <a:rPr lang="en-US" altLang="ko-KR" dirty="0" smtClean="0">
+                <a:solidFill>
+                  <a:schemeClr val="tx1"/>
+                </a:solidFill>
+                <a:latin typeface="D2Coding ligature" panose="020B0609020101020101" pitchFamily="49" charset="-127"/>
+                <a:ea typeface="D2Coding ligature" panose="020B0609020101020101" pitchFamily="49" charset="-127"/>
+              </a:rPr>
+              <a:t>Flutter</a:t>
+            </a:r>
+            <a:endParaRPr lang="ko-KR" altLang="en-US" dirty="0">
+              <a:solidFill>
+                <a:schemeClr val="tx1"/>
+              </a:solidFill>
+              <a:latin typeface="D2Coding ligature" panose="020B0609020101020101" pitchFamily="49" charset="-127"/>
+              <a:ea typeface="D2Coding ligature" panose="020B0609020101020101" pitchFamily="49" charset="-127"/>
+            </a:endParaRPr>
+          </a:p>
+        </p:txBody>
+      </p:sp>
+      <p:sp>
+        <p:nvSpPr>
+          <p:cNvPr id="21" name="모서리가 둥근 직사각형 20"/>
+          <p:cNvSpPr/>
+          <p:nvPr/>
+        </p:nvSpPr>
+        <p:spPr>
+          <a:xfrm>
+            <a:off x="827634" y="964021"/>
+            <a:ext cx="4129088" cy="1898298"/>
+          </a:xfrm>
+          <a:prstGeom prst="roundRect">
+            <a:avLst/>
+          </a:prstGeom>
+          <a:noFill/>
+          <a:ln>
+            <a:solidFill>
+              <a:schemeClr val="tx1"/>
+            </a:solidFill>
+          </a:ln>
+        </p:spPr>
+        <p:style>
+          <a:lnRef idx="2">
+            <a:schemeClr val="accent1">
+              <a:shade val="50000"/>
+            </a:schemeClr>
+          </a:lnRef>
+          <a:fillRef idx="1">
+            <a:schemeClr val="accent1"/>
+          </a:fillRef>
+          <a:effectRef idx="0">
+            <a:schemeClr val="accent1"/>
+          </a:effectRef>
+          <a:fontRef idx="minor">
+            <a:schemeClr val="lt1"/>
+          </a:fontRef>
+        </p:style>
+        <p:txBody>
+          <a:bodyPr rtlCol="0" anchor="ctr"/>
+          <a:lstStyle/>
+          <a:p>
+            <a:pPr algn="ctr"/>
+            <a:endParaRPr lang="ko-KR" altLang="en-US"/>
+          </a:p>
+        </p:txBody>
+      </p:sp>
+      <p:pic>
+        <p:nvPicPr>
+          <p:cNvPr id="5" name="그림 4"/>
+          <p:cNvPicPr>
+            <a:picLocks noChangeAspect="1"/>
+          </p:cNvPicPr>
+          <p:nvPr/>
+        </p:nvPicPr>
+        <p:blipFill rotWithShape="1">
+          <a:blip r:embed="rId6" cstate="print">
+            <a:extLst>
+              <a:ext uri="{28A0092B-C50C-407E-A947-70E740481C1C}">
+                <a14:useLocalDpi xmlns:a14="http://schemas.microsoft.com/office/drawing/2010/main" val="0"/>
+              </a:ext>
+            </a:extLst>
+          </a:blip>
+          <a:srcRect t="7706" b="6264"/>
+          <a:stretch/>
+        </p:blipFill>
+        <p:spPr>
+          <a:xfrm>
+            <a:off x="3810822" y="1136888"/>
+            <a:ext cx="867473" cy="1612107"/>
+          </a:xfrm>
+          <a:prstGeom prst="rect">
+            <a:avLst/>
+          </a:prstGeom>
+        </p:spPr>
+      </p:pic>
+      <p:pic>
+        <p:nvPicPr>
+          <p:cNvPr id="1028" name="Picture 4" descr="스마트 폰 - 무료 전자개 아이콘"/>
+          <p:cNvPicPr>
+            <a:picLocks noChangeAspect="1" noChangeArrowheads="1"/>
+          </p:cNvPicPr>
+          <p:nvPr/>
+        </p:nvPicPr>
+        <p:blipFill rotWithShape="1">
+          <a:blip r:embed="rId7">
+            <a:extLst>
+              <a:ext uri="{28A0092B-C50C-407E-A947-70E740481C1C}">
+                <a14:useLocalDpi xmlns:a14="http://schemas.microsoft.com/office/drawing/2010/main" val="0"/>
+              </a:ext>
+            </a:extLst>
+          </a:blip>
+          <a:srcRect l="27240" t="13357" r="28563" b="13462"/>
+          <a:stretch/>
+        </p:blipFill>
+        <p:spPr bwMode="auto">
+          <a:xfrm>
+            <a:off x="3753372" y="1080540"/>
+            <a:ext cx="982374" cy="1724804"/>
+          </a:xfrm>
+          <a:prstGeom prst="rect">
+            <a:avLst/>
+          </a:prstGeom>
+          <a:noFill/>
+          <a:extLst>
+            <a:ext uri="{909E8E84-426E-40DD-AFC4-6F175D3DCCD1}">
+              <a14:hiddenFill xmlns:a14="http://schemas.microsoft.com/office/drawing/2010/main">
+                <a:solidFill>
+                  <a:srgbClr val="FFFFFF"/>
+                </a:solidFill>
+              </a14:hiddenFill>
+            </a:ext>
+          </a:extLst>
+        </p:spPr>
+      </p:pic>
+      <p:pic>
+        <p:nvPicPr>
+          <p:cNvPr id="1026" name="Picture 2" descr="컴퓨터 - 무료 컴퓨터개 아이콘"/>
+          <p:cNvPicPr>
+            <a:picLocks noChangeAspect="1" noChangeArrowheads="1"/>
+          </p:cNvPicPr>
+          <p:nvPr/>
+        </p:nvPicPr>
+        <p:blipFill rotWithShape="1">
+          <a:blip r:embed="rId8">
+            <a:extLst>
+              <a:ext uri="{28A0092B-C50C-407E-A947-70E740481C1C}">
+                <a14:useLocalDpi xmlns:a14="http://schemas.microsoft.com/office/drawing/2010/main" val="0"/>
+              </a:ext>
+            </a:extLst>
+          </a:blip>
+          <a:srcRect t="18454" b="18465"/>
+          <a:stretch/>
+        </p:blipFill>
+        <p:spPr bwMode="auto">
+          <a:xfrm>
+            <a:off x="920503" y="1093241"/>
+            <a:ext cx="2618508" cy="1651794"/>
+          </a:xfrm>
+          <a:prstGeom prst="rect">
+            <a:avLst/>
+          </a:prstGeom>
+          <a:noFill/>
+          <a:extLst>
+            <a:ext uri="{909E8E84-426E-40DD-AFC4-6F175D3DCCD1}">
+              <a14:hiddenFill xmlns:a14="http://schemas.microsoft.com/office/drawing/2010/main">
+                <a:solidFill>
+                  <a:srgbClr val="FFFFFF"/>
+                </a:solidFill>
+              </a14:hiddenFill>
+            </a:ext>
+          </a:extLst>
+        </p:spPr>
+      </p:pic>
+      <p:pic>
+        <p:nvPicPr>
+          <p:cNvPr id="13" name="Picture 2" descr="컴퓨터 - 무료 컴퓨터개 아이콘"/>
+          <p:cNvPicPr>
+            <a:picLocks noChangeAspect="1" noChangeArrowheads="1"/>
+          </p:cNvPicPr>
+          <p:nvPr/>
+        </p:nvPicPr>
+        <p:blipFill rotWithShape="1">
+          <a:blip r:embed="rId8">
+            <a:extLst>
+              <a:ext uri="{28A0092B-C50C-407E-A947-70E740481C1C}">
+                <a14:useLocalDpi xmlns:a14="http://schemas.microsoft.com/office/drawing/2010/main" val="0"/>
+              </a:ext>
+            </a:extLst>
+          </a:blip>
+          <a:srcRect t="18454" b="18465"/>
+          <a:stretch/>
+        </p:blipFill>
+        <p:spPr bwMode="auto">
+          <a:xfrm>
+            <a:off x="5362478" y="1227827"/>
+            <a:ext cx="2618508" cy="1651794"/>
+          </a:xfrm>
+          <a:prstGeom prst="rect">
+            <a:avLst/>
+          </a:prstGeom>
+          <a:noFill/>
+          <a:extLst>
+            <a:ext uri="{909E8E84-426E-40DD-AFC4-6F175D3DCCD1}">
+              <a14:hiddenFill xmlns:a14="http://schemas.microsoft.com/office/drawing/2010/main">
+                <a:solidFill>
+                  <a:srgbClr val="FFFFFF"/>
+                </a:solidFill>
+              </a14:hiddenFill>
+            </a:ext>
+          </a:extLst>
+        </p:spPr>
+      </p:pic>
+      <p:sp>
+        <p:nvSpPr>
+          <p:cNvPr id="18" name="직사각형 17"/>
+          <p:cNvSpPr/>
+          <p:nvPr/>
+        </p:nvSpPr>
+        <p:spPr>
+          <a:xfrm>
+            <a:off x="1045503" y="842356"/>
+            <a:ext cx="1070480" cy="234949"/>
+          </a:xfrm>
+          <a:prstGeom prst="rect">
+            <a:avLst/>
+          </a:prstGeom>
+          <a:solidFill>
+            <a:schemeClr val="bg1"/>
+          </a:solidFill>
+          <a:ln>
+            <a:solidFill>
+              <a:schemeClr val="bg1"/>
+            </a:solidFill>
+          </a:ln>
+        </p:spPr>
+        <p:style>
+          <a:lnRef idx="2">
+            <a:schemeClr val="accent1">
+              <a:shade val="50000"/>
+            </a:schemeClr>
+          </a:lnRef>
+          <a:fillRef idx="1">
+            <a:schemeClr val="accent1"/>
+          </a:fillRef>
+          <a:effectRef idx="0">
+            <a:schemeClr val="accent1"/>
+          </a:effectRef>
+          <a:fontRef idx="minor">
+            <a:schemeClr val="lt1"/>
+          </a:fontRef>
+        </p:style>
+        <p:txBody>
+          <a:bodyPr rtlCol="0" anchor="ctr"/>
+          <a:lstStyle/>
+          <a:p>
+            <a:pPr algn="ctr"/>
+            <a:r>
+              <a:rPr lang="en-US" altLang="ko-KR" dirty="0" smtClean="0">
+                <a:solidFill>
+                  <a:schemeClr val="tx1"/>
+                </a:solidFill>
+                <a:latin typeface="D2Coding ligature" panose="020B0609020101020101" pitchFamily="49" charset="-127"/>
+                <a:ea typeface="D2Coding ligature" panose="020B0609020101020101" pitchFamily="49" charset="-127"/>
+              </a:rPr>
+              <a:t>React</a:t>
+            </a:r>
+            <a:endParaRPr lang="ko-KR" altLang="en-US" dirty="0">
+              <a:solidFill>
+                <a:schemeClr val="tx1"/>
+              </a:solidFill>
+              <a:latin typeface="D2Coding ligature" panose="020B0609020101020101" pitchFamily="49" charset="-127"/>
+              <a:ea typeface="D2Coding ligature" panose="020B0609020101020101" pitchFamily="49" charset="-127"/>
+            </a:endParaRPr>
+          </a:p>
+        </p:txBody>
+      </p:sp>
+      <p:sp>
+        <p:nvSpPr>
+          <p:cNvPr id="24" name="모서리가 둥근 직사각형 23"/>
+          <p:cNvSpPr/>
+          <p:nvPr/>
+        </p:nvSpPr>
+        <p:spPr>
+          <a:xfrm>
+            <a:off x="5176400" y="964020"/>
+            <a:ext cx="3000375" cy="4625021"/>
+          </a:xfrm>
+          <a:prstGeom prst="roundRect">
+            <a:avLst/>
+          </a:prstGeom>
+          <a:noFill/>
+          <a:ln>
+            <a:solidFill>
+              <a:schemeClr val="tx1"/>
+            </a:solidFill>
+          </a:ln>
+        </p:spPr>
+        <p:style>
+          <a:lnRef idx="2">
+            <a:schemeClr val="accent1">
+              <a:shade val="50000"/>
+            </a:schemeClr>
+          </a:lnRef>
+          <a:fillRef idx="1">
+            <a:schemeClr val="accent1"/>
+          </a:fillRef>
+          <a:effectRef idx="0">
+            <a:schemeClr val="accent1"/>
+          </a:effectRef>
+          <a:fontRef idx="minor">
+            <a:schemeClr val="lt1"/>
+          </a:fontRef>
+        </p:style>
+        <p:txBody>
+          <a:bodyPr rtlCol="0" anchor="ctr"/>
+          <a:lstStyle/>
+          <a:p>
+            <a:pPr algn="ctr"/>
+            <a:endParaRPr lang="ko-KR" altLang="en-US"/>
+          </a:p>
+        </p:txBody>
+      </p:sp>
+      <p:sp>
+        <p:nvSpPr>
+          <p:cNvPr id="25" name="직사각형 24"/>
+          <p:cNvSpPr/>
+          <p:nvPr/>
+        </p:nvSpPr>
+        <p:spPr>
+          <a:xfrm>
+            <a:off x="5474392" y="858292"/>
+            <a:ext cx="1070480" cy="234949"/>
+          </a:xfrm>
+          <a:prstGeom prst="rect">
+            <a:avLst/>
+          </a:prstGeom>
+          <a:solidFill>
+            <a:schemeClr val="bg1"/>
+          </a:solidFill>
+          <a:ln>
+            <a:solidFill>
+              <a:schemeClr val="bg1"/>
+            </a:solidFill>
+          </a:ln>
+        </p:spPr>
+        <p:style>
+          <a:lnRef idx="2">
+            <a:schemeClr val="accent1">
+              <a:shade val="50000"/>
+            </a:schemeClr>
+          </a:lnRef>
+          <a:fillRef idx="1">
+            <a:schemeClr val="accent1"/>
+          </a:fillRef>
+          <a:effectRef idx="0">
+            <a:schemeClr val="accent1"/>
+          </a:effectRef>
+          <a:fontRef idx="minor">
+            <a:schemeClr val="lt1"/>
+          </a:fontRef>
+        </p:style>
+        <p:txBody>
+          <a:bodyPr rtlCol="0" anchor="ctr"/>
+          <a:lstStyle/>
+          <a:p>
+            <a:pPr algn="ctr"/>
+            <a:r>
+              <a:rPr lang="en-US" altLang="ko-KR" dirty="0" smtClean="0">
+                <a:solidFill>
+                  <a:schemeClr val="tx1"/>
+                </a:solidFill>
+                <a:latin typeface="D2Coding ligature" panose="020B0609020101020101" pitchFamily="49" charset="-127"/>
+                <a:ea typeface="D2Coding ligature" panose="020B0609020101020101" pitchFamily="49" charset="-127"/>
+              </a:rPr>
+              <a:t>Search</a:t>
+            </a:r>
+            <a:endParaRPr lang="ko-KR" altLang="en-US" dirty="0">
+              <a:solidFill>
+                <a:schemeClr val="tx1"/>
+              </a:solidFill>
+              <a:latin typeface="D2Coding ligature" panose="020B0609020101020101" pitchFamily="49" charset="-127"/>
+              <a:ea typeface="D2Coding ligature" panose="020B0609020101020101" pitchFamily="49" charset="-127"/>
+            </a:endParaRPr>
+          </a:p>
+        </p:txBody>
+      </p:sp>
+      <p:pic>
+        <p:nvPicPr>
+          <p:cNvPr id="31" name="Picture 4" descr="스마트 폰 - 무료 전자개 아이콘"/>
+          <p:cNvPicPr>
+            <a:picLocks noChangeAspect="1" noChangeArrowheads="1"/>
+          </p:cNvPicPr>
+          <p:nvPr/>
+        </p:nvPicPr>
+        <p:blipFill rotWithShape="1">
+          <a:blip r:embed="rId7">
+            <a:extLst>
+              <a:ext uri="{28A0092B-C50C-407E-A947-70E740481C1C}">
+                <a14:useLocalDpi xmlns:a14="http://schemas.microsoft.com/office/drawing/2010/main" val="0"/>
+              </a:ext>
+            </a:extLst>
+          </a:blip>
+          <a:srcRect l="27240" t="13357" r="28563" b="13462"/>
+          <a:stretch/>
+        </p:blipFill>
+        <p:spPr bwMode="auto">
+          <a:xfrm>
+            <a:off x="9366998" y="3409394"/>
+            <a:ext cx="982374" cy="1888980"/>
+          </a:xfrm>
+          <a:prstGeom prst="rect">
+            <a:avLst/>
+          </a:prstGeom>
+          <a:noFill/>
+          <a:extLst>
+            <a:ext uri="{909E8E84-426E-40DD-AFC4-6F175D3DCCD1}">
+              <a14:hiddenFill xmlns:a14="http://schemas.microsoft.com/office/drawing/2010/main">
+                <a:solidFill>
+                  <a:srgbClr val="FFFFFF"/>
+                </a:solidFill>
+              </a14:hiddenFill>
+            </a:ext>
+          </a:extLst>
+        </p:spPr>
+      </p:pic>
+      <p:pic>
+        <p:nvPicPr>
+          <p:cNvPr id="32" name="Picture 2" descr="컴퓨터 - 무료 컴퓨터개 아이콘"/>
+          <p:cNvPicPr>
+            <a:picLocks noChangeAspect="1" noChangeArrowheads="1"/>
+          </p:cNvPicPr>
+          <p:nvPr/>
+        </p:nvPicPr>
+        <p:blipFill rotWithShape="1">
+          <a:blip r:embed="rId8">
+            <a:extLst>
+              <a:ext uri="{28A0092B-C50C-407E-A947-70E740481C1C}">
+                <a14:useLocalDpi xmlns:a14="http://schemas.microsoft.com/office/drawing/2010/main" val="0"/>
+              </a:ext>
+            </a:extLst>
+          </a:blip>
+          <a:srcRect t="18454" b="18465"/>
+          <a:stretch/>
+        </p:blipFill>
+        <p:spPr bwMode="auto">
+          <a:xfrm>
+            <a:off x="8548931" y="1219035"/>
+            <a:ext cx="2618508" cy="1651794"/>
+          </a:xfrm>
+          <a:prstGeom prst="rect">
+            <a:avLst/>
+          </a:prstGeom>
+          <a:noFill/>
+          <a:extLst>
+            <a:ext uri="{909E8E84-426E-40DD-AFC4-6F175D3DCCD1}">
+              <a14:hiddenFill xmlns:a14="http://schemas.microsoft.com/office/drawing/2010/main">
+                <a:solidFill>
+                  <a:srgbClr val="FFFFFF"/>
+                </a:solidFill>
+              </a14:hiddenFill>
+            </a:ext>
+          </a:extLst>
+        </p:spPr>
+      </p:pic>
+      <p:sp>
+        <p:nvSpPr>
+          <p:cNvPr id="33" name="모서리가 둥근 직사각형 32"/>
+          <p:cNvSpPr/>
+          <p:nvPr/>
+        </p:nvSpPr>
+        <p:spPr>
+          <a:xfrm>
+            <a:off x="8362853" y="955228"/>
+            <a:ext cx="3000375" cy="4633813"/>
+          </a:xfrm>
+          <a:prstGeom prst="roundRect">
+            <a:avLst/>
+          </a:prstGeom>
+          <a:noFill/>
+          <a:ln>
+            <a:solidFill>
+              <a:schemeClr val="tx1"/>
+            </a:solidFill>
+          </a:ln>
+        </p:spPr>
+        <p:style>
+          <a:lnRef idx="2">
+            <a:schemeClr val="accent1">
+              <a:shade val="50000"/>
+            </a:schemeClr>
+          </a:lnRef>
+          <a:fillRef idx="1">
+            <a:schemeClr val="accent1"/>
+          </a:fillRef>
+          <a:effectRef idx="0">
+            <a:schemeClr val="accent1"/>
+          </a:effectRef>
+          <a:fontRef idx="minor">
+            <a:schemeClr val="lt1"/>
+          </a:fontRef>
+        </p:style>
+        <p:txBody>
+          <a:bodyPr rtlCol="0" anchor="ctr"/>
+          <a:lstStyle/>
+          <a:p>
+            <a:pPr algn="ctr"/>
+            <a:endParaRPr lang="ko-KR" altLang="en-US"/>
+          </a:p>
+        </p:txBody>
+      </p:sp>
+      <p:sp>
+        <p:nvSpPr>
+          <p:cNvPr id="34" name="직사각형 33"/>
+          <p:cNvSpPr/>
+          <p:nvPr/>
+        </p:nvSpPr>
+        <p:spPr>
+          <a:xfrm>
+            <a:off x="8660845" y="849500"/>
+            <a:ext cx="1070480" cy="234949"/>
+          </a:xfrm>
+          <a:prstGeom prst="rect">
+            <a:avLst/>
+          </a:prstGeom>
+          <a:solidFill>
+            <a:schemeClr val="bg1"/>
+          </a:solidFill>
+          <a:ln>
+            <a:solidFill>
+              <a:schemeClr val="bg1"/>
+            </a:solidFill>
+          </a:ln>
+        </p:spPr>
+        <p:style>
+          <a:lnRef idx="2">
+            <a:schemeClr val="accent1">
+              <a:shade val="50000"/>
+            </a:schemeClr>
+          </a:lnRef>
+          <a:fillRef idx="1">
+            <a:schemeClr val="accent1"/>
+          </a:fillRef>
+          <a:effectRef idx="0">
+            <a:schemeClr val="accent1"/>
+          </a:effectRef>
+          <a:fontRef idx="minor">
+            <a:schemeClr val="lt1"/>
+          </a:fontRef>
+        </p:style>
+        <p:txBody>
+          <a:bodyPr rtlCol="0" anchor="ctr"/>
+          <a:lstStyle/>
+          <a:p>
+            <a:pPr algn="ctr"/>
+            <a:r>
+              <a:rPr lang="en-US" altLang="ko-KR" dirty="0" smtClean="0">
+                <a:solidFill>
+                  <a:schemeClr val="tx1"/>
+                </a:solidFill>
+                <a:latin typeface="D2Coding ligature" panose="020B0609020101020101" pitchFamily="49" charset="-127"/>
+                <a:ea typeface="D2Coding ligature" panose="020B0609020101020101" pitchFamily="49" charset="-127"/>
+              </a:rPr>
+              <a:t>Buy</a:t>
+            </a:r>
+            <a:endParaRPr lang="ko-KR" altLang="en-US" dirty="0">
+              <a:solidFill>
+                <a:schemeClr val="tx1"/>
+              </a:solidFill>
+              <a:latin typeface="D2Coding ligature" panose="020B0609020101020101" pitchFamily="49" charset="-127"/>
+              <a:ea typeface="D2Coding ligature" panose="020B0609020101020101" pitchFamily="49" charset="-127"/>
+            </a:endParaRPr>
+          </a:p>
+        </p:txBody>
+      </p:sp>
       <p:grpSp>
         <p:nvGrpSpPr>
-          <p:cNvPr id="9" name="그룹 8"/>
+          <p:cNvPr id="43" name="그룹 42"/>
           <p:cNvGrpSpPr/>
           <p:nvPr/>
         </p:nvGrpSpPr>
         <p:grpSpPr>
           <a:xfrm>
-            <a:off x="813120" y="929442"/>
-            <a:ext cx="10535594" cy="4746685"/>
-            <a:chOff x="819057" y="1089759"/>
-            <a:chExt cx="10535594" cy="4746685"/>
+            <a:off x="1807865" y="4048031"/>
+            <a:ext cx="555380" cy="576822"/>
+            <a:chOff x="4414289" y="5002242"/>
+            <a:chExt cx="555380" cy="576822"/>
           </a:xfrm>
         </p:grpSpPr>
-        <p:pic>
-          <p:nvPicPr>
-            <p:cNvPr id="8" name="그림 7"/>
-            <p:cNvPicPr>
-              <a:picLocks noChangeAspect="1"/>
-            </p:cNvPicPr>
-            <p:nvPr/>
-          </p:nvPicPr>
-          <p:blipFill rotWithShape="1">
-            <a:blip r:embed="rId2" cstate="print">
-              <a:extLst>
-                <a:ext uri="{28A0092B-C50C-407E-A947-70E740481C1C}">
-                  <a14:useLocalDpi xmlns:a14="http://schemas.microsoft.com/office/drawing/2010/main" val="0"/>
-                </a:ext>
-              </a:extLst>
-            </a:blip>
-            <a:srcRect t="3746" b="5618"/>
-            <a:stretch/>
-          </p:blipFill>
-          <p:spPr>
-            <a:xfrm>
-              <a:off x="9423409" y="3722513"/>
-              <a:ext cx="872610" cy="1757548"/>
-            </a:xfrm>
-            <a:prstGeom prst="rect">
-              <a:avLst/>
-            </a:prstGeom>
-          </p:spPr>
-        </p:pic>
-        <p:pic>
-          <p:nvPicPr>
-            <p:cNvPr id="3" name="그림 2"/>
-            <p:cNvPicPr>
-              <a:picLocks noChangeAspect="1"/>
-            </p:cNvPicPr>
-            <p:nvPr/>
-          </p:nvPicPr>
-          <p:blipFill>
-            <a:blip r:embed="rId3" cstate="print">
-              <a:extLst>
-                <a:ext uri="{28A0092B-C50C-407E-A947-70E740481C1C}">
-                  <a14:useLocalDpi xmlns:a14="http://schemas.microsoft.com/office/drawing/2010/main" val="0"/>
-                </a:ext>
-              </a:extLst>
-            </a:blip>
-            <a:stretch>
-              <a:fillRect/>
-            </a:stretch>
-          </p:blipFill>
-          <p:spPr>
-            <a:xfrm>
-              <a:off x="5432775" y="1639023"/>
-              <a:ext cx="1556468" cy="875514"/>
-            </a:xfrm>
-            <a:prstGeom prst="rect">
-              <a:avLst/>
-            </a:prstGeom>
-          </p:spPr>
-        </p:pic>
-        <p:pic>
-          <p:nvPicPr>
-            <p:cNvPr id="4" name="그림 3"/>
-            <p:cNvPicPr>
-              <a:picLocks noChangeAspect="1"/>
-            </p:cNvPicPr>
-            <p:nvPr/>
-          </p:nvPicPr>
-          <p:blipFill>
-            <a:blip r:embed="rId4" cstate="print">
-              <a:extLst>
-                <a:ext uri="{28A0092B-C50C-407E-A947-70E740481C1C}">
-                  <a14:useLocalDpi xmlns:a14="http://schemas.microsoft.com/office/drawing/2010/main" val="0"/>
-                </a:ext>
-              </a:extLst>
-            </a:blip>
-            <a:stretch>
-              <a:fillRect/>
-            </a:stretch>
-          </p:blipFill>
-          <p:spPr>
-            <a:xfrm>
-              <a:off x="8627250" y="1639023"/>
-              <a:ext cx="1556469" cy="875514"/>
-            </a:xfrm>
-            <a:prstGeom prst="rect">
-              <a:avLst/>
-            </a:prstGeom>
-          </p:spPr>
-        </p:pic>
-        <p:pic>
-          <p:nvPicPr>
-            <p:cNvPr id="2" name="그림 1"/>
-            <p:cNvPicPr>
-              <a:picLocks noChangeAspect="1"/>
-            </p:cNvPicPr>
-            <p:nvPr/>
-          </p:nvPicPr>
-          <p:blipFill>
-            <a:blip r:embed="rId5" cstate="print">
-              <a:extLst>
-                <a:ext uri="{28A0092B-C50C-407E-A947-70E740481C1C}">
-                  <a14:useLocalDpi xmlns:a14="http://schemas.microsoft.com/office/drawing/2010/main" val="0"/>
-                </a:ext>
-              </a:extLst>
-            </a:blip>
-            <a:stretch>
-              <a:fillRect/>
-            </a:stretch>
-          </p:blipFill>
-          <p:spPr>
-            <a:xfrm>
-              <a:off x="993749" y="1496514"/>
-              <a:ext cx="1556468" cy="875512"/>
-            </a:xfrm>
-            <a:prstGeom prst="rect">
-              <a:avLst/>
-            </a:prstGeom>
-          </p:spPr>
-        </p:pic>
         <p:sp>
           <p:nvSpPr>
-            <p:cNvPr id="10" name="모서리가 둥근 직사각형 9"/>
+            <p:cNvPr id="40" name="모서리가 둥근 직사각형 39"/>
             <p:cNvSpPr/>
             <p:nvPr/>
           </p:nvSpPr>
           <p:spPr>
             <a:xfrm>
-              <a:off x="823912" y="3248469"/>
-              <a:ext cx="4129088" cy="2587975"/>
+              <a:off x="4414289" y="5011034"/>
+              <a:ext cx="555380" cy="568030"/>
             </a:xfrm>
             <a:prstGeom prst="roundRect">
-              <a:avLst/>
-            </a:prstGeom>
-            <a:noFill/>
-            <a:ln>
-              <a:solidFill>
-                <a:schemeClr val="tx1"/>
-              </a:solidFill>
-            </a:ln>
-          </p:spPr>
-          <p:style>
-            <a:lnRef idx="2">
-              <a:schemeClr val="accent1">
-                <a:shade val="50000"/>
-              </a:schemeClr>
-            </a:lnRef>
-            <a:fillRef idx="1">
-              <a:schemeClr val="accent1"/>
-            </a:fillRef>
-            <a:effectRef idx="0">
-              <a:schemeClr val="accent1"/>
-            </a:effectRef>
-            <a:fontRef idx="minor">
-              <a:schemeClr val="lt1"/>
-            </a:fontRef>
-          </p:style>
-          <p:txBody>
-            <a:bodyPr rtlCol="0" anchor="ctr"/>
-            <a:lstStyle/>
-            <a:p>
-              <a:pPr algn="ctr"/>
-              <a:endParaRPr lang="ko-KR" altLang="en-US"/>
-            </a:p>
-          </p:txBody>
-        </p:sp>
-        <p:sp>
-          <p:nvSpPr>
-            <p:cNvPr id="22" name="직사각형 21"/>
-            <p:cNvSpPr/>
-            <p:nvPr/>
-          </p:nvSpPr>
-          <p:spPr>
-            <a:xfrm>
-              <a:off x="1036926" y="3129041"/>
-              <a:ext cx="1070480" cy="234949"/>
-            </a:xfrm>
-            <a:prstGeom prst="rect">
               <a:avLst/>
             </a:prstGeom>
             <a:solidFill>
               <a:schemeClr val="bg1"/>
             </a:solidFill>
-            <a:ln>
-              <a:solidFill>
-                <a:schemeClr val="bg1"/>
-              </a:solidFill>
-            </a:ln>
-          </p:spPr>
-          <p:style>
-            <a:lnRef idx="2">
-              <a:schemeClr val="accent1">
-                <a:shade val="50000"/>
-              </a:schemeClr>
-            </a:lnRef>
-            <a:fillRef idx="1">
-              <a:schemeClr val="accent1"/>
-            </a:fillRef>
-            <a:effectRef idx="0">
-              <a:schemeClr val="accent1"/>
-            </a:effectRef>
-            <a:fontRef idx="minor">
-              <a:schemeClr val="lt1"/>
-            </a:fontRef>
-          </p:style>
-          <p:txBody>
-            <a:bodyPr rtlCol="0" anchor="ctr"/>
-            <a:lstStyle/>
-            <a:p>
-              <a:pPr algn="ctr"/>
-              <a:r>
-                <a:rPr lang="en-US" altLang="ko-KR" dirty="0" smtClean="0">
-                  <a:solidFill>
-                    <a:schemeClr val="tx1"/>
-                  </a:solidFill>
-                  <a:latin typeface="D2Coding ligature" panose="020B0609020101020101" pitchFamily="49" charset="-127"/>
-                  <a:ea typeface="D2Coding ligature" panose="020B0609020101020101" pitchFamily="49" charset="-127"/>
-                </a:rPr>
-                <a:t>Flutter</a:t>
-              </a:r>
-              <a:endParaRPr lang="ko-KR" altLang="en-US" dirty="0">
-                <a:solidFill>
-                  <a:schemeClr val="tx1"/>
-                </a:solidFill>
-                <a:latin typeface="D2Coding ligature" panose="020B0609020101020101" pitchFamily="49" charset="-127"/>
-                <a:ea typeface="D2Coding ligature" panose="020B0609020101020101" pitchFamily="49" charset="-127"/>
-              </a:endParaRPr>
-            </a:p>
-          </p:txBody>
-        </p:sp>
-        <p:sp>
-          <p:nvSpPr>
-            <p:cNvPr id="21" name="모서리가 둥근 직사각형 20"/>
-            <p:cNvSpPr/>
-            <p:nvPr/>
-          </p:nvSpPr>
-          <p:spPr>
-            <a:xfrm>
-              <a:off x="819057" y="1211424"/>
-              <a:ext cx="4129088" cy="1898298"/>
-            </a:xfrm>
-            <a:prstGeom prst="roundRect">
-              <a:avLst/>
-            </a:prstGeom>
-            <a:noFill/>
             <a:ln>
               <a:solidFill>
                 <a:schemeClr val="tx1"/>
@@ -3260,56 +3817,27 @@
         </p:sp>
         <p:pic>
           <p:nvPicPr>
-            <p:cNvPr id="5" name="그림 4"/>
+            <p:cNvPr id="36" name="Picture 12" descr="Apple “Computer”"/>
             <p:cNvPicPr>
-              <a:picLocks noChangeAspect="1"/>
+              <a:picLocks noChangeAspect="1" noChangeArrowheads="1"/>
             </p:cNvPicPr>
             <p:nvPr/>
           </p:nvPicPr>
           <p:blipFill rotWithShape="1">
-            <a:blip r:embed="rId6" cstate="print">
+            <a:blip r:embed="rId9" cstate="print">
               <a:extLst>
                 <a:ext uri="{28A0092B-C50C-407E-A947-70E740481C1C}">
                   <a14:useLocalDpi xmlns:a14="http://schemas.microsoft.com/office/drawing/2010/main" val="0"/>
                 </a:ext>
               </a:extLst>
             </a:blip>
-            <a:srcRect t="7706" b="6264"/>
-            <a:stretch/>
-          </p:blipFill>
-          <p:spPr>
-            <a:xfrm>
-              <a:off x="3802245" y="1384291"/>
-              <a:ext cx="867473" cy="1612107"/>
-            </a:xfrm>
-            <a:prstGeom prst="rect">
-              <a:avLst/>
-            </a:prstGeom>
-          </p:spPr>
-        </p:pic>
-        <p:pic>
-          <p:nvPicPr>
-            <p:cNvPr id="1028" name="Picture 4" descr="스마트 폰 - 무료 전자개 아이콘"/>
-            <p:cNvPicPr>
-              <a:picLocks noChangeAspect="1" noChangeArrowheads="1"/>
-            </p:cNvPicPr>
-            <p:nvPr/>
-          </p:nvPicPr>
-          <p:blipFill rotWithShape="1">
-            <a:blip r:embed="rId7">
-              <a:extLst>
-                <a:ext uri="{28A0092B-C50C-407E-A947-70E740481C1C}">
-                  <a14:useLocalDpi xmlns:a14="http://schemas.microsoft.com/office/drawing/2010/main" val="0"/>
-                </a:ext>
-              </a:extLst>
-            </a:blip>
-            <a:srcRect l="27240" t="13357" r="28563" b="13462"/>
+            <a:srcRect l="25357" r="26144"/>
             <a:stretch/>
           </p:blipFill>
           <p:spPr bwMode="auto">
             <a:xfrm>
-              <a:off x="3744795" y="1327943"/>
-              <a:ext cx="982374" cy="1724804"/>
+              <a:off x="4462295" y="5002242"/>
+              <a:ext cx="459368" cy="556398"/>
             </a:xfrm>
             <a:prstGeom prst="rect">
               <a:avLst/>
@@ -3326,163 +3854,38 @@
             </a:extLst>
           </p:spPr>
         </p:pic>
-        <p:pic>
-          <p:nvPicPr>
-            <p:cNvPr id="1026" name="Picture 2" descr="컴퓨터 - 무료 컴퓨터개 아이콘"/>
-            <p:cNvPicPr>
-              <a:picLocks noChangeAspect="1" noChangeArrowheads="1"/>
-            </p:cNvPicPr>
-            <p:nvPr/>
-          </p:nvPicPr>
-          <p:blipFill rotWithShape="1">
-            <a:blip r:embed="rId8">
-              <a:extLst>
-                <a:ext uri="{28A0092B-C50C-407E-A947-70E740481C1C}">
-                  <a14:useLocalDpi xmlns:a14="http://schemas.microsoft.com/office/drawing/2010/main" val="0"/>
-                </a:ext>
-              </a:extLst>
-            </a:blip>
-            <a:srcRect t="18454" b="18465"/>
-            <a:stretch/>
-          </p:blipFill>
-          <p:spPr bwMode="auto">
-            <a:xfrm>
-              <a:off x="911926" y="1340644"/>
-              <a:ext cx="2618508" cy="1651794"/>
-            </a:xfrm>
-            <a:prstGeom prst="rect">
-              <a:avLst/>
-            </a:prstGeom>
-            <a:noFill/>
-            <a:extLst>
-              <a:ext uri="{909E8E84-426E-40DD-AFC4-6F175D3DCCD1}">
-                <a14:hiddenFill xmlns:a14="http://schemas.microsoft.com/office/drawing/2010/main">
-                  <a:solidFill>
-                    <a:srgbClr val="FFFFFF"/>
-                  </a:solidFill>
-                </a14:hiddenFill>
-              </a:ext>
-            </a:extLst>
-          </p:spPr>
-        </p:pic>
-        <p:pic>
-          <p:nvPicPr>
-            <p:cNvPr id="13" name="Picture 2" descr="컴퓨터 - 무료 컴퓨터개 아이콘"/>
-            <p:cNvPicPr>
-              <a:picLocks noChangeAspect="1" noChangeArrowheads="1"/>
-            </p:cNvPicPr>
-            <p:nvPr/>
-          </p:nvPicPr>
-          <p:blipFill rotWithShape="1">
-            <a:blip r:embed="rId8">
-              <a:extLst>
-                <a:ext uri="{28A0092B-C50C-407E-A947-70E740481C1C}">
-                  <a14:useLocalDpi xmlns:a14="http://schemas.microsoft.com/office/drawing/2010/main" val="0"/>
-                </a:ext>
-              </a:extLst>
-            </a:blip>
-            <a:srcRect t="18454" b="18465"/>
-            <a:stretch/>
-          </p:blipFill>
-          <p:spPr bwMode="auto">
-            <a:xfrm>
-              <a:off x="5353901" y="1475230"/>
-              <a:ext cx="2618508" cy="1651794"/>
-            </a:xfrm>
-            <a:prstGeom prst="rect">
-              <a:avLst/>
-            </a:prstGeom>
-            <a:noFill/>
-            <a:extLst>
-              <a:ext uri="{909E8E84-426E-40DD-AFC4-6F175D3DCCD1}">
-                <a14:hiddenFill xmlns:a14="http://schemas.microsoft.com/office/drawing/2010/main">
-                  <a:solidFill>
-                    <a:srgbClr val="FFFFFF"/>
-                  </a:solidFill>
-                </a14:hiddenFill>
-              </a:ext>
-            </a:extLst>
-          </p:spPr>
-        </p:pic>
+      </p:grpSp>
+      <p:grpSp>
+        <p:nvGrpSpPr>
+          <p:cNvPr id="38" name="그룹 37"/>
+          <p:cNvGrpSpPr/>
+          <p:nvPr/>
+        </p:nvGrpSpPr>
+        <p:grpSpPr>
+          <a:xfrm>
+            <a:off x="3434340" y="4056823"/>
+            <a:ext cx="555380" cy="568030"/>
+            <a:chOff x="2868459" y="5011034"/>
+            <a:chExt cx="555380" cy="568030"/>
+          </a:xfrm>
+        </p:grpSpPr>
         <p:sp>
           <p:nvSpPr>
-            <p:cNvPr id="18" name="직사각형 17"/>
+            <p:cNvPr id="42" name="모서리가 둥근 직사각형 41"/>
             <p:cNvSpPr/>
             <p:nvPr/>
           </p:nvSpPr>
           <p:spPr>
             <a:xfrm>
-              <a:off x="1036926" y="1089759"/>
-              <a:ext cx="1070480" cy="234949"/>
+              <a:off x="2868459" y="5011034"/>
+              <a:ext cx="555380" cy="568030"/>
             </a:xfrm>
-            <a:prstGeom prst="rect">
+            <a:prstGeom prst="roundRect">
               <a:avLst/>
             </a:prstGeom>
             <a:solidFill>
               <a:schemeClr val="bg1"/>
             </a:solidFill>
-            <a:ln>
-              <a:solidFill>
-                <a:schemeClr val="bg1"/>
-              </a:solidFill>
-            </a:ln>
-          </p:spPr>
-          <p:style>
-            <a:lnRef idx="2">
-              <a:schemeClr val="accent1">
-                <a:shade val="50000"/>
-              </a:schemeClr>
-            </a:lnRef>
-            <a:fillRef idx="1">
-              <a:schemeClr val="accent1"/>
-            </a:fillRef>
-            <a:effectRef idx="0">
-              <a:schemeClr val="accent1"/>
-            </a:effectRef>
-            <a:fontRef idx="minor">
-              <a:schemeClr val="lt1"/>
-            </a:fontRef>
-          </p:style>
-          <p:txBody>
-            <a:bodyPr rtlCol="0" anchor="ctr"/>
-            <a:lstStyle/>
-            <a:p>
-              <a:pPr algn="ctr"/>
-              <a:r>
-                <a:rPr lang="en-US" altLang="ko-KR" dirty="0" smtClean="0">
-                  <a:solidFill>
-                    <a:schemeClr val="tx1"/>
-                  </a:solidFill>
-                  <a:latin typeface="D2Coding ligature" panose="020B0609020101020101" pitchFamily="49" charset="-127"/>
-                  <a:ea typeface="D2Coding ligature" panose="020B0609020101020101" pitchFamily="49" charset="-127"/>
-                </a:rPr>
-                <a:t>React</a:t>
-              </a:r>
-              <a:endParaRPr lang="ko-KR" altLang="en-US" dirty="0">
-                <a:solidFill>
-                  <a:schemeClr val="tx1"/>
-                </a:solidFill>
-                <a:latin typeface="D2Coding ligature" panose="020B0609020101020101" pitchFamily="49" charset="-127"/>
-                <a:ea typeface="D2Coding ligature" panose="020B0609020101020101" pitchFamily="49" charset="-127"/>
-              </a:endParaRPr>
-            </a:p>
-          </p:txBody>
-        </p:sp>
-        <p:sp>
-          <p:nvSpPr>
-            <p:cNvPr id="24" name="모서리가 둥근 직사각형 23"/>
-            <p:cNvSpPr/>
-            <p:nvPr/>
-          </p:nvSpPr>
-          <p:spPr>
-            <a:xfrm>
-              <a:off x="5167823" y="1211423"/>
-              <a:ext cx="3000375" cy="4625021"/>
-            </a:xfrm>
-            <a:prstGeom prst="roundRect">
-              <a:avLst/>
-            </a:prstGeom>
-            <a:noFill/>
             <a:ln>
               <a:solidFill>
                 <a:schemeClr val="tx1"/>
@@ -3514,582 +3917,29 @@
             </a:p>
           </p:txBody>
         </p:sp>
-        <p:sp>
-          <p:nvSpPr>
-            <p:cNvPr id="25" name="직사각형 24"/>
-            <p:cNvSpPr/>
-            <p:nvPr/>
-          </p:nvSpPr>
-          <p:spPr>
-            <a:xfrm>
-              <a:off x="5465815" y="1105695"/>
-              <a:ext cx="1070480" cy="234949"/>
-            </a:xfrm>
-            <a:prstGeom prst="rect">
-              <a:avLst/>
-            </a:prstGeom>
-            <a:solidFill>
-              <a:schemeClr val="bg1"/>
-            </a:solidFill>
-            <a:ln>
-              <a:solidFill>
-                <a:schemeClr val="bg1"/>
-              </a:solidFill>
-            </a:ln>
-          </p:spPr>
-          <p:style>
-            <a:lnRef idx="2">
-              <a:schemeClr val="accent1">
-                <a:shade val="50000"/>
-              </a:schemeClr>
-            </a:lnRef>
-            <a:fillRef idx="1">
-              <a:schemeClr val="accent1"/>
-            </a:fillRef>
-            <a:effectRef idx="0">
-              <a:schemeClr val="accent1"/>
-            </a:effectRef>
-            <a:fontRef idx="minor">
-              <a:schemeClr val="lt1"/>
-            </a:fontRef>
-          </p:style>
-          <p:txBody>
-            <a:bodyPr rtlCol="0" anchor="ctr"/>
-            <a:lstStyle/>
-            <a:p>
-              <a:pPr algn="ctr"/>
-              <a:r>
-                <a:rPr lang="en-US" altLang="ko-KR" dirty="0" smtClean="0">
-                  <a:solidFill>
-                    <a:schemeClr val="tx1"/>
-                  </a:solidFill>
-                  <a:latin typeface="D2Coding ligature" panose="020B0609020101020101" pitchFamily="49" charset="-127"/>
-                  <a:ea typeface="D2Coding ligature" panose="020B0609020101020101" pitchFamily="49" charset="-127"/>
-                </a:rPr>
-                <a:t>Search</a:t>
-              </a:r>
-              <a:endParaRPr lang="ko-KR" altLang="en-US" dirty="0">
-                <a:solidFill>
-                  <a:schemeClr val="tx1"/>
-                </a:solidFill>
-                <a:latin typeface="D2Coding ligature" panose="020B0609020101020101" pitchFamily="49" charset="-127"/>
-                <a:ea typeface="D2Coding ligature" panose="020B0609020101020101" pitchFamily="49" charset="-127"/>
-              </a:endParaRPr>
-            </a:p>
-          </p:txBody>
-        </p:sp>
         <p:pic>
           <p:nvPicPr>
-            <p:cNvPr id="31" name="Picture 4" descr="스마트 폰 - 무료 전자개 아이콘"/>
+            <p:cNvPr id="35" name="Picture 10" descr="Navigating the Android App Development Journey with eTraverse"/>
             <p:cNvPicPr>
               <a:picLocks noChangeAspect="1" noChangeArrowheads="1"/>
             </p:cNvPicPr>
             <p:nvPr/>
           </p:nvPicPr>
           <p:blipFill rotWithShape="1">
-            <a:blip r:embed="rId7">
+            <a:blip r:embed="rId10" cstate="print">
               <a:extLst>
                 <a:ext uri="{28A0092B-C50C-407E-A947-70E740481C1C}">
                   <a14:useLocalDpi xmlns:a14="http://schemas.microsoft.com/office/drawing/2010/main" val="0"/>
                 </a:ext>
               </a:extLst>
             </a:blip>
-            <a:srcRect l="27240" t="13357" r="28563" b="13462"/>
+            <a:srcRect l="28880" t="16229" r="28619" b="17101"/>
             <a:stretch/>
           </p:blipFill>
           <p:spPr bwMode="auto">
             <a:xfrm>
-              <a:off x="9358421" y="3656797"/>
-              <a:ext cx="982374" cy="1888980"/>
-            </a:xfrm>
-            <a:prstGeom prst="rect">
-              <a:avLst/>
-            </a:prstGeom>
-            <a:noFill/>
-            <a:extLst>
-              <a:ext uri="{909E8E84-426E-40DD-AFC4-6F175D3DCCD1}">
-                <a14:hiddenFill xmlns:a14="http://schemas.microsoft.com/office/drawing/2010/main">
-                  <a:solidFill>
-                    <a:srgbClr val="FFFFFF"/>
-                  </a:solidFill>
-                </a14:hiddenFill>
-              </a:ext>
-            </a:extLst>
-          </p:spPr>
-        </p:pic>
-        <p:pic>
-          <p:nvPicPr>
-            <p:cNvPr id="32" name="Picture 2" descr="컴퓨터 - 무료 컴퓨터개 아이콘"/>
-            <p:cNvPicPr>
-              <a:picLocks noChangeAspect="1" noChangeArrowheads="1"/>
-            </p:cNvPicPr>
-            <p:nvPr/>
-          </p:nvPicPr>
-          <p:blipFill rotWithShape="1">
-            <a:blip r:embed="rId8">
-              <a:extLst>
-                <a:ext uri="{28A0092B-C50C-407E-A947-70E740481C1C}">
-                  <a14:useLocalDpi xmlns:a14="http://schemas.microsoft.com/office/drawing/2010/main" val="0"/>
-                </a:ext>
-              </a:extLst>
-            </a:blip>
-            <a:srcRect t="18454" b="18465"/>
-            <a:stretch/>
-          </p:blipFill>
-          <p:spPr bwMode="auto">
-            <a:xfrm>
-              <a:off x="8540354" y="1466438"/>
-              <a:ext cx="2618508" cy="1651794"/>
-            </a:xfrm>
-            <a:prstGeom prst="rect">
-              <a:avLst/>
-            </a:prstGeom>
-            <a:noFill/>
-            <a:extLst>
-              <a:ext uri="{909E8E84-426E-40DD-AFC4-6F175D3DCCD1}">
-                <a14:hiddenFill xmlns:a14="http://schemas.microsoft.com/office/drawing/2010/main">
-                  <a:solidFill>
-                    <a:srgbClr val="FFFFFF"/>
-                  </a:solidFill>
-                </a14:hiddenFill>
-              </a:ext>
-            </a:extLst>
-          </p:spPr>
-        </p:pic>
-        <p:sp>
-          <p:nvSpPr>
-            <p:cNvPr id="33" name="모서리가 둥근 직사각형 32"/>
-            <p:cNvSpPr/>
-            <p:nvPr/>
-          </p:nvSpPr>
-          <p:spPr>
-            <a:xfrm>
-              <a:off x="8354276" y="1202631"/>
-              <a:ext cx="3000375" cy="4633813"/>
-            </a:xfrm>
-            <a:prstGeom prst="roundRect">
-              <a:avLst/>
-            </a:prstGeom>
-            <a:noFill/>
-            <a:ln>
-              <a:solidFill>
-                <a:schemeClr val="tx1"/>
-              </a:solidFill>
-            </a:ln>
-          </p:spPr>
-          <p:style>
-            <a:lnRef idx="2">
-              <a:schemeClr val="accent1">
-                <a:shade val="50000"/>
-              </a:schemeClr>
-            </a:lnRef>
-            <a:fillRef idx="1">
-              <a:schemeClr val="accent1"/>
-            </a:fillRef>
-            <a:effectRef idx="0">
-              <a:schemeClr val="accent1"/>
-            </a:effectRef>
-            <a:fontRef idx="minor">
-              <a:schemeClr val="lt1"/>
-            </a:fontRef>
-          </p:style>
-          <p:txBody>
-            <a:bodyPr rtlCol="0" anchor="ctr"/>
-            <a:lstStyle/>
-            <a:p>
-              <a:pPr algn="ctr"/>
-              <a:endParaRPr lang="ko-KR" altLang="en-US"/>
-            </a:p>
-          </p:txBody>
-        </p:sp>
-        <p:sp>
-          <p:nvSpPr>
-            <p:cNvPr id="34" name="직사각형 33"/>
-            <p:cNvSpPr/>
-            <p:nvPr/>
-          </p:nvSpPr>
-          <p:spPr>
-            <a:xfrm>
-              <a:off x="8652268" y="1096903"/>
-              <a:ext cx="1070480" cy="234949"/>
-            </a:xfrm>
-            <a:prstGeom prst="rect">
-              <a:avLst/>
-            </a:prstGeom>
-            <a:solidFill>
-              <a:schemeClr val="bg1"/>
-            </a:solidFill>
-            <a:ln>
-              <a:solidFill>
-                <a:schemeClr val="bg1"/>
-              </a:solidFill>
-            </a:ln>
-          </p:spPr>
-          <p:style>
-            <a:lnRef idx="2">
-              <a:schemeClr val="accent1">
-                <a:shade val="50000"/>
-              </a:schemeClr>
-            </a:lnRef>
-            <a:fillRef idx="1">
-              <a:schemeClr val="accent1"/>
-            </a:fillRef>
-            <a:effectRef idx="0">
-              <a:schemeClr val="accent1"/>
-            </a:effectRef>
-            <a:fontRef idx="minor">
-              <a:schemeClr val="lt1"/>
-            </a:fontRef>
-          </p:style>
-          <p:txBody>
-            <a:bodyPr rtlCol="0" anchor="ctr"/>
-            <a:lstStyle/>
-            <a:p>
-              <a:pPr algn="ctr"/>
-              <a:r>
-                <a:rPr lang="en-US" altLang="ko-KR" dirty="0" smtClean="0">
-                  <a:solidFill>
-                    <a:schemeClr val="tx1"/>
-                  </a:solidFill>
-                  <a:latin typeface="D2Coding ligature" panose="020B0609020101020101" pitchFamily="49" charset="-127"/>
-                  <a:ea typeface="D2Coding ligature" panose="020B0609020101020101" pitchFamily="49" charset="-127"/>
-                </a:rPr>
-                <a:t>Buy</a:t>
-              </a:r>
-              <a:endParaRPr lang="ko-KR" altLang="en-US" dirty="0">
-                <a:solidFill>
-                  <a:schemeClr val="tx1"/>
-                </a:solidFill>
-                <a:latin typeface="D2Coding ligature" panose="020B0609020101020101" pitchFamily="49" charset="-127"/>
-                <a:ea typeface="D2Coding ligature" panose="020B0609020101020101" pitchFamily="49" charset="-127"/>
-              </a:endParaRPr>
-            </a:p>
-          </p:txBody>
-        </p:sp>
-        <p:grpSp>
-          <p:nvGrpSpPr>
-            <p:cNvPr id="43" name="그룹 42"/>
-            <p:cNvGrpSpPr/>
-            <p:nvPr/>
-          </p:nvGrpSpPr>
-          <p:grpSpPr>
-            <a:xfrm>
-              <a:off x="1799288" y="4295434"/>
-              <a:ext cx="555380" cy="576822"/>
-              <a:chOff x="4414289" y="5002242"/>
-              <a:chExt cx="555380" cy="576822"/>
-            </a:xfrm>
-          </p:grpSpPr>
-          <p:sp>
-            <p:nvSpPr>
-              <p:cNvPr id="40" name="모서리가 둥근 직사각형 39"/>
-              <p:cNvSpPr/>
-              <p:nvPr/>
-            </p:nvSpPr>
-            <p:spPr>
-              <a:xfrm>
-                <a:off x="4414289" y="5011034"/>
-                <a:ext cx="555380" cy="568030"/>
-              </a:xfrm>
-              <a:prstGeom prst="roundRect">
-                <a:avLst/>
-              </a:prstGeom>
-              <a:solidFill>
-                <a:schemeClr val="bg1"/>
-              </a:solidFill>
-              <a:ln>
-                <a:solidFill>
-                  <a:schemeClr val="tx1"/>
-                </a:solidFill>
-              </a:ln>
-            </p:spPr>
-            <p:style>
-              <a:lnRef idx="2">
-                <a:schemeClr val="accent1">
-                  <a:shade val="50000"/>
-                </a:schemeClr>
-              </a:lnRef>
-              <a:fillRef idx="1">
-                <a:schemeClr val="accent1"/>
-              </a:fillRef>
-              <a:effectRef idx="0">
-                <a:schemeClr val="accent1"/>
-              </a:effectRef>
-              <a:fontRef idx="minor">
-                <a:schemeClr val="lt1"/>
-              </a:fontRef>
-            </p:style>
-            <p:txBody>
-              <a:bodyPr rtlCol="0" anchor="ctr"/>
-              <a:lstStyle/>
-              <a:p>
-                <a:pPr algn="ctr"/>
-                <a:endParaRPr lang="ko-KR" altLang="en-US"/>
-              </a:p>
-            </p:txBody>
-          </p:sp>
-          <p:pic>
-            <p:nvPicPr>
-              <p:cNvPr id="36" name="Picture 12" descr="Apple “Computer”"/>
-              <p:cNvPicPr>
-                <a:picLocks noChangeAspect="1" noChangeArrowheads="1"/>
-              </p:cNvPicPr>
-              <p:nvPr/>
-            </p:nvPicPr>
-            <p:blipFill rotWithShape="1">
-              <a:blip r:embed="rId9" cstate="print">
-                <a:extLst>
-                  <a:ext uri="{28A0092B-C50C-407E-A947-70E740481C1C}">
-                    <a14:useLocalDpi xmlns:a14="http://schemas.microsoft.com/office/drawing/2010/main" val="0"/>
-                  </a:ext>
-                </a:extLst>
-              </a:blip>
-              <a:srcRect l="25357" r="26144"/>
-              <a:stretch/>
-            </p:blipFill>
-            <p:spPr bwMode="auto">
-              <a:xfrm>
-                <a:off x="4462295" y="5002242"/>
-                <a:ext cx="459368" cy="556398"/>
-              </a:xfrm>
-              <a:prstGeom prst="rect">
-                <a:avLst/>
-              </a:prstGeom>
-              <a:noFill/>
-              <a:extLst>
-                <a:ext uri="{909E8E84-426E-40DD-AFC4-6F175D3DCCD1}">
-                  <a14:hiddenFill xmlns:a14="http://schemas.microsoft.com/office/drawing/2010/main">
-                    <a:solidFill>
-                      <a:srgbClr val="FFFFFF"/>
-                    </a:solidFill>
-                  </a14:hiddenFill>
-                </a:ext>
-              </a:extLst>
-            </p:spPr>
-          </p:pic>
-        </p:grpSp>
-        <p:grpSp>
-          <p:nvGrpSpPr>
-            <p:cNvPr id="38" name="그룹 37"/>
-            <p:cNvGrpSpPr/>
-            <p:nvPr/>
-          </p:nvGrpSpPr>
-          <p:grpSpPr>
-            <a:xfrm>
-              <a:off x="3425763" y="4304226"/>
-              <a:ext cx="555380" cy="568030"/>
-              <a:chOff x="2868459" y="5011034"/>
-              <a:chExt cx="555380" cy="568030"/>
-            </a:xfrm>
-          </p:grpSpPr>
-          <p:sp>
-            <p:nvSpPr>
-              <p:cNvPr id="42" name="모서리가 둥근 직사각형 41"/>
-              <p:cNvSpPr/>
-              <p:nvPr/>
-            </p:nvSpPr>
-            <p:spPr>
-              <a:xfrm>
-                <a:off x="2868459" y="5011034"/>
-                <a:ext cx="555380" cy="568030"/>
-              </a:xfrm>
-              <a:prstGeom prst="roundRect">
-                <a:avLst/>
-              </a:prstGeom>
-              <a:solidFill>
-                <a:schemeClr val="bg1"/>
-              </a:solidFill>
-              <a:ln>
-                <a:solidFill>
-                  <a:schemeClr val="tx1"/>
-                </a:solidFill>
-              </a:ln>
-            </p:spPr>
-            <p:style>
-              <a:lnRef idx="2">
-                <a:schemeClr val="accent1">
-                  <a:shade val="50000"/>
-                </a:schemeClr>
-              </a:lnRef>
-              <a:fillRef idx="1">
-                <a:schemeClr val="accent1"/>
-              </a:fillRef>
-              <a:effectRef idx="0">
-                <a:schemeClr val="accent1"/>
-              </a:effectRef>
-              <a:fontRef idx="minor">
-                <a:schemeClr val="lt1"/>
-              </a:fontRef>
-            </p:style>
-            <p:txBody>
-              <a:bodyPr rtlCol="0" anchor="ctr"/>
-              <a:lstStyle/>
-              <a:p>
-                <a:pPr algn="ctr"/>
-                <a:endParaRPr lang="ko-KR" altLang="en-US"/>
-              </a:p>
-            </p:txBody>
-          </p:sp>
-          <p:pic>
-            <p:nvPicPr>
-              <p:cNvPr id="35" name="Picture 10" descr="Navigating the Android App Development Journey with eTraverse"/>
-              <p:cNvPicPr>
-                <a:picLocks noChangeAspect="1" noChangeArrowheads="1"/>
-              </p:cNvPicPr>
-              <p:nvPr/>
-            </p:nvPicPr>
-            <p:blipFill rotWithShape="1">
-              <a:blip r:embed="rId10" cstate="print">
-                <a:extLst>
-                  <a:ext uri="{28A0092B-C50C-407E-A947-70E740481C1C}">
-                    <a14:useLocalDpi xmlns:a14="http://schemas.microsoft.com/office/drawing/2010/main" val="0"/>
-                  </a:ext>
-                </a:extLst>
-              </a:blip>
-              <a:srcRect l="28880" t="16229" r="28619" b="17101"/>
-              <a:stretch/>
-            </p:blipFill>
-            <p:spPr bwMode="auto">
-              <a:xfrm>
-                <a:off x="2911593" y="5014676"/>
-                <a:ext cx="459368" cy="564388"/>
-              </a:xfrm>
-              <a:prstGeom prst="rect">
-                <a:avLst/>
-              </a:prstGeom>
-              <a:noFill/>
-              <a:extLst>
-                <a:ext uri="{909E8E84-426E-40DD-AFC4-6F175D3DCCD1}">
-                  <a14:hiddenFill xmlns:a14="http://schemas.microsoft.com/office/drawing/2010/main">
-                    <a:solidFill>
-                      <a:srgbClr val="FFFFFF"/>
-                    </a:solidFill>
-                  </a14:hiddenFill>
-                </a:ext>
-              </a:extLst>
-            </p:spPr>
-          </p:pic>
-        </p:grpSp>
-        <p:pic>
-          <p:nvPicPr>
-            <p:cNvPr id="6" name="그림 5"/>
-            <p:cNvPicPr>
-              <a:picLocks noChangeAspect="1"/>
-            </p:cNvPicPr>
-            <p:nvPr/>
-          </p:nvPicPr>
-          <p:blipFill rotWithShape="1">
-            <a:blip r:embed="rId11" cstate="print">
-              <a:extLst>
-                <a:ext uri="{28A0092B-C50C-407E-A947-70E740481C1C}">
-                  <a14:useLocalDpi xmlns:a14="http://schemas.microsoft.com/office/drawing/2010/main" val="0"/>
-                </a:ext>
-              </a:extLst>
-            </a:blip>
-            <a:srcRect t="4352" b="5719"/>
-            <a:stretch/>
-          </p:blipFill>
-          <p:spPr>
-            <a:xfrm>
-              <a:off x="2473988" y="3706377"/>
-              <a:ext cx="836730" cy="1672158"/>
-            </a:xfrm>
-            <a:prstGeom prst="rect">
-              <a:avLst/>
-            </a:prstGeom>
-          </p:spPr>
-        </p:pic>
-        <p:pic>
-          <p:nvPicPr>
-            <p:cNvPr id="7" name="그림 6"/>
-            <p:cNvPicPr>
-              <a:picLocks noChangeAspect="1"/>
-            </p:cNvPicPr>
-            <p:nvPr/>
-          </p:nvPicPr>
-          <p:blipFill rotWithShape="1">
-            <a:blip r:embed="rId12" cstate="print">
-              <a:extLst>
-                <a:ext uri="{28A0092B-C50C-407E-A947-70E740481C1C}">
-                  <a14:useLocalDpi xmlns:a14="http://schemas.microsoft.com/office/drawing/2010/main" val="0"/>
-                </a:ext>
-              </a:extLst>
-            </a:blip>
-            <a:srcRect t="3715" b="5906"/>
-            <a:stretch/>
-          </p:blipFill>
-          <p:spPr>
-            <a:xfrm>
-              <a:off x="6237579" y="3710638"/>
-              <a:ext cx="851151" cy="1709464"/>
-            </a:xfrm>
-            <a:prstGeom prst="rect">
-              <a:avLst/>
-            </a:prstGeom>
-          </p:spPr>
-        </p:pic>
-        <p:pic>
-          <p:nvPicPr>
-            <p:cNvPr id="37" name="Picture 4" descr="스마트 폰 - 무료 전자개 아이콘"/>
-            <p:cNvPicPr>
-              <a:picLocks noChangeAspect="1" noChangeArrowheads="1"/>
-            </p:cNvPicPr>
-            <p:nvPr/>
-          </p:nvPicPr>
-          <p:blipFill rotWithShape="1">
-            <a:blip r:embed="rId7">
-              <a:extLst>
-                <a:ext uri="{28A0092B-C50C-407E-A947-70E740481C1C}">
-                  <a14:useLocalDpi xmlns:a14="http://schemas.microsoft.com/office/drawing/2010/main" val="0"/>
-                </a:ext>
-              </a:extLst>
-            </a:blip>
-            <a:srcRect l="27240" t="13357" r="28563" b="13462"/>
-            <a:stretch/>
-          </p:blipFill>
-          <p:spPr bwMode="auto">
-            <a:xfrm>
-              <a:off x="6171968" y="3656797"/>
-              <a:ext cx="982374" cy="1888980"/>
-            </a:xfrm>
-            <a:prstGeom prst="rect">
-              <a:avLst/>
-            </a:prstGeom>
-            <a:noFill/>
-            <a:extLst>
-              <a:ext uri="{909E8E84-426E-40DD-AFC4-6F175D3DCCD1}">
-                <a14:hiddenFill xmlns:a14="http://schemas.microsoft.com/office/drawing/2010/main">
-                  <a:solidFill>
-                    <a:srgbClr val="FFFFFF"/>
-                  </a:solidFill>
-                </a14:hiddenFill>
-              </a:ext>
-            </a:extLst>
-          </p:spPr>
-        </p:pic>
-        <p:pic>
-          <p:nvPicPr>
-            <p:cNvPr id="39" name="Picture 4" descr="스마트 폰 - 무료 전자개 아이콘"/>
-            <p:cNvPicPr>
-              <a:picLocks noChangeAspect="1" noChangeArrowheads="1"/>
-            </p:cNvPicPr>
-            <p:nvPr/>
-          </p:nvPicPr>
-          <p:blipFill rotWithShape="1">
-            <a:blip r:embed="rId7">
-              <a:extLst>
-                <a:ext uri="{28A0092B-C50C-407E-A947-70E740481C1C}">
-                  <a14:useLocalDpi xmlns:a14="http://schemas.microsoft.com/office/drawing/2010/main" val="0"/>
-                </a:ext>
-              </a:extLst>
-            </a:blip>
-            <a:srcRect l="27240" t="13357" r="28563" b="13462"/>
-            <a:stretch/>
-          </p:blipFill>
-          <p:spPr bwMode="auto">
-            <a:xfrm>
-              <a:off x="2396556" y="3620880"/>
-              <a:ext cx="982374" cy="1888980"/>
+              <a:off x="2911593" y="5014676"/>
+              <a:ext cx="459368" cy="564388"/>
             </a:xfrm>
             <a:prstGeom prst="rect">
               <a:avLst/>
@@ -4107,6 +3957,142 @@
           </p:spPr>
         </p:pic>
       </p:grpSp>
+      <p:pic>
+        <p:nvPicPr>
+          <p:cNvPr id="6" name="그림 5"/>
+          <p:cNvPicPr>
+            <a:picLocks noChangeAspect="1"/>
+          </p:cNvPicPr>
+          <p:nvPr/>
+        </p:nvPicPr>
+        <p:blipFill rotWithShape="1">
+          <a:blip r:embed="rId11" cstate="print">
+            <a:extLst>
+              <a:ext uri="{28A0092B-C50C-407E-A947-70E740481C1C}">
+                <a14:useLocalDpi xmlns:a14="http://schemas.microsoft.com/office/drawing/2010/main" val="0"/>
+              </a:ext>
+            </a:extLst>
+          </a:blip>
+          <a:srcRect t="4352" b="5719"/>
+          <a:stretch/>
+        </p:blipFill>
+        <p:spPr>
+          <a:xfrm>
+            <a:off x="2482565" y="3458974"/>
+            <a:ext cx="836730" cy="1672158"/>
+          </a:xfrm>
+          <a:prstGeom prst="rect">
+            <a:avLst/>
+          </a:prstGeom>
+        </p:spPr>
+      </p:pic>
+      <p:pic>
+        <p:nvPicPr>
+          <p:cNvPr id="7" name="그림 6"/>
+          <p:cNvPicPr>
+            <a:picLocks noChangeAspect="1"/>
+          </p:cNvPicPr>
+          <p:nvPr/>
+        </p:nvPicPr>
+        <p:blipFill rotWithShape="1">
+          <a:blip r:embed="rId12" cstate="print">
+            <a:extLst>
+              <a:ext uri="{28A0092B-C50C-407E-A947-70E740481C1C}">
+                <a14:useLocalDpi xmlns:a14="http://schemas.microsoft.com/office/drawing/2010/main" val="0"/>
+              </a:ext>
+            </a:extLst>
+          </a:blip>
+          <a:srcRect t="3715" b="5906"/>
+          <a:stretch/>
+        </p:blipFill>
+        <p:spPr>
+          <a:xfrm>
+            <a:off x="6246156" y="3463235"/>
+            <a:ext cx="851151" cy="1709464"/>
+          </a:xfrm>
+          <a:prstGeom prst="rect">
+            <a:avLst/>
+          </a:prstGeom>
+        </p:spPr>
+      </p:pic>
+      <p:pic>
+        <p:nvPicPr>
+          <p:cNvPr id="37" name="Picture 4" descr="스마트 폰 - 무료 전자개 아이콘"/>
+          <p:cNvPicPr>
+            <a:picLocks noChangeAspect="1" noChangeArrowheads="1"/>
+          </p:cNvPicPr>
+          <p:nvPr/>
+        </p:nvPicPr>
+        <p:blipFill rotWithShape="1">
+          <a:blip r:embed="rId7">
+            <a:extLst>
+              <a:ext uri="{28A0092B-C50C-407E-A947-70E740481C1C}">
+                <a14:useLocalDpi xmlns:a14="http://schemas.microsoft.com/office/drawing/2010/main" val="0"/>
+              </a:ext>
+            </a:extLst>
+          </a:blip>
+          <a:srcRect l="27240" t="13357" r="28563" b="13462"/>
+          <a:stretch/>
+        </p:blipFill>
+        <p:spPr bwMode="auto">
+          <a:xfrm>
+            <a:off x="6180545" y="3409394"/>
+            <a:ext cx="982374" cy="1888980"/>
+          </a:xfrm>
+          <a:prstGeom prst="rect">
+            <a:avLst/>
+          </a:prstGeom>
+          <a:noFill/>
+          <a:extLst>
+            <a:ext uri="{909E8E84-426E-40DD-AFC4-6F175D3DCCD1}">
+              <a14:hiddenFill xmlns:a14="http://schemas.microsoft.com/office/drawing/2010/main">
+                <a:solidFill>
+                  <a:srgbClr val="FFFFFF"/>
+                </a:solidFill>
+              </a14:hiddenFill>
+            </a:ext>
+          </a:extLst>
+        </p:spPr>
+      </p:pic>
+      <p:pic>
+        <p:nvPicPr>
+          <p:cNvPr id="39" name="Picture 4" descr="스마트 폰 - 무료 전자개 아이콘"/>
+          <p:cNvPicPr>
+            <a:picLocks noChangeAspect="1" noChangeArrowheads="1"/>
+          </p:cNvPicPr>
+          <p:nvPr/>
+        </p:nvPicPr>
+        <p:blipFill rotWithShape="1">
+          <a:blip r:embed="rId7">
+            <a:extLst>
+              <a:ext uri="{28A0092B-C50C-407E-A947-70E740481C1C}">
+                <a14:useLocalDpi xmlns:a14="http://schemas.microsoft.com/office/drawing/2010/main" val="0"/>
+              </a:ext>
+            </a:extLst>
+          </a:blip>
+          <a:srcRect l="27240" t="13357" r="28563" b="13462"/>
+          <a:stretch/>
+        </p:blipFill>
+        <p:spPr bwMode="auto">
+          <a:xfrm>
+            <a:off x="2405133" y="3373477"/>
+            <a:ext cx="982374" cy="1888980"/>
+          </a:xfrm>
+          <a:prstGeom prst="rect">
+            <a:avLst/>
+          </a:prstGeom>
+          <a:noFill/>
+          <a:extLst>
+            <a:ext uri="{909E8E84-426E-40DD-AFC4-6F175D3DCCD1}">
+              <a14:hiddenFill xmlns:a14="http://schemas.microsoft.com/office/drawing/2010/main">
+                <a:solidFill>
+                  <a:srgbClr val="FFFFFF"/>
+                </a:solidFill>
+              </a14:hiddenFill>
+            </a:ext>
+          </a:extLst>
+        </p:spPr>
+      </p:pic>
     </p:spTree>
     <p:extLst>
       <p:ext uri="{BB962C8B-B14F-4D97-AF65-F5344CB8AC3E}">
@@ -4124,6 +4110,682 @@
       </p:par>
     </p:tnLst>
   </p:timing>
+</p:sld>
+</file>
+
+<file path=ppt/slides/slide2.xml><?xml version="1.0" encoding="utf-8"?>
+<p:sld xmlns:a="http://schemas.openxmlformats.org/drawingml/2006/main" xmlns:r="http://schemas.openxmlformats.org/officeDocument/2006/relationships" xmlns:p="http://schemas.openxmlformats.org/presentationml/2006/main">
+  <p:cSld>
+    <p:spTree>
+      <p:nvGrpSpPr>
+        <p:cNvPr id="1" name=""/>
+        <p:cNvGrpSpPr/>
+        <p:nvPr/>
+      </p:nvGrpSpPr>
+      <p:grpSpPr>
+        <a:xfrm>
+          <a:off x="0" y="0"/>
+          <a:ext cx="0" cy="0"/>
+          <a:chOff x="0" y="0"/>
+          <a:chExt cx="0" cy="0"/>
+        </a:xfrm>
+      </p:grpSpPr>
+      <p:pic>
+        <p:nvPicPr>
+          <p:cNvPr id="4" name="그림 3"/>
+          <p:cNvPicPr>
+            <a:picLocks noChangeAspect="1"/>
+          </p:cNvPicPr>
+          <p:nvPr/>
+        </p:nvPicPr>
+        <p:blipFill rotWithShape="1">
+          <a:blip r:embed="rId2" cstate="print">
+            <a:extLst>
+              <a:ext uri="{28A0092B-C50C-407E-A947-70E740481C1C}">
+                <a14:useLocalDpi xmlns:a14="http://schemas.microsoft.com/office/drawing/2010/main" val="0"/>
+              </a:ext>
+            </a:extLst>
+          </a:blip>
+          <a:srcRect t="3746" b="5618"/>
+          <a:stretch/>
+        </p:blipFill>
+        <p:spPr>
+          <a:xfrm>
+            <a:off x="9431986" y="3475110"/>
+            <a:ext cx="872610" cy="1757548"/>
+          </a:xfrm>
+          <a:prstGeom prst="rect">
+            <a:avLst/>
+          </a:prstGeom>
+        </p:spPr>
+      </p:pic>
+      <p:pic>
+        <p:nvPicPr>
+          <p:cNvPr id="5" name="그림 4"/>
+          <p:cNvPicPr>
+            <a:picLocks noChangeAspect="1"/>
+          </p:cNvPicPr>
+          <p:nvPr/>
+        </p:nvPicPr>
+        <p:blipFill>
+          <a:blip r:embed="rId3" cstate="print">
+            <a:extLst>
+              <a:ext uri="{28A0092B-C50C-407E-A947-70E740481C1C}">
+                <a14:useLocalDpi xmlns:a14="http://schemas.microsoft.com/office/drawing/2010/main" val="0"/>
+              </a:ext>
+            </a:extLst>
+          </a:blip>
+          <a:stretch>
+            <a:fillRect/>
+          </a:stretch>
+        </p:blipFill>
+        <p:spPr>
+          <a:xfrm>
+            <a:off x="5441351" y="1391619"/>
+            <a:ext cx="2413109" cy="1357375"/>
+          </a:xfrm>
+          <a:prstGeom prst="rect">
+            <a:avLst/>
+          </a:prstGeom>
+        </p:spPr>
+      </p:pic>
+      <p:pic>
+        <p:nvPicPr>
+          <p:cNvPr id="6" name="그림 5"/>
+          <p:cNvPicPr>
+            <a:picLocks noChangeAspect="1"/>
+          </p:cNvPicPr>
+          <p:nvPr/>
+        </p:nvPicPr>
+        <p:blipFill>
+          <a:blip r:embed="rId4" cstate="print">
+            <a:extLst>
+              <a:ext uri="{28A0092B-C50C-407E-A947-70E740481C1C}">
+                <a14:useLocalDpi xmlns:a14="http://schemas.microsoft.com/office/drawing/2010/main" val="0"/>
+              </a:ext>
+            </a:extLst>
+          </a:blip>
+          <a:stretch>
+            <a:fillRect/>
+          </a:stretch>
+        </p:blipFill>
+        <p:spPr>
+          <a:xfrm>
+            <a:off x="8538580" y="1325297"/>
+            <a:ext cx="2648920" cy="1490018"/>
+          </a:xfrm>
+          <a:prstGeom prst="rect">
+            <a:avLst/>
+          </a:prstGeom>
+        </p:spPr>
+      </p:pic>
+      <p:pic>
+        <p:nvPicPr>
+          <p:cNvPr id="7" name="그림 6"/>
+          <p:cNvPicPr>
+            <a:picLocks noChangeAspect="1"/>
+          </p:cNvPicPr>
+          <p:nvPr/>
+        </p:nvPicPr>
+        <p:blipFill>
+          <a:blip r:embed="rId5" cstate="print">
+            <a:extLst>
+              <a:ext uri="{28A0092B-C50C-407E-A947-70E740481C1C}">
+                <a14:useLocalDpi xmlns:a14="http://schemas.microsoft.com/office/drawing/2010/main" val="0"/>
+              </a:ext>
+            </a:extLst>
+          </a:blip>
+          <a:stretch>
+            <a:fillRect/>
+          </a:stretch>
+        </p:blipFill>
+        <p:spPr>
+          <a:xfrm>
+            <a:off x="1045503" y="1196733"/>
+            <a:ext cx="2666464" cy="1499884"/>
+          </a:xfrm>
+          <a:prstGeom prst="rect">
+            <a:avLst/>
+          </a:prstGeom>
+        </p:spPr>
+      </p:pic>
+      <p:sp>
+        <p:nvSpPr>
+          <p:cNvPr id="8" name="모서리가 둥근 직사각형 7"/>
+          <p:cNvSpPr/>
+          <p:nvPr/>
+        </p:nvSpPr>
+        <p:spPr>
+          <a:xfrm>
+            <a:off x="832489" y="3001066"/>
+            <a:ext cx="4129088" cy="2587975"/>
+          </a:xfrm>
+          <a:prstGeom prst="roundRect">
+            <a:avLst/>
+          </a:prstGeom>
+          <a:noFill/>
+          <a:ln>
+            <a:solidFill>
+              <a:schemeClr val="tx1"/>
+            </a:solidFill>
+          </a:ln>
+        </p:spPr>
+        <p:style>
+          <a:lnRef idx="2">
+            <a:schemeClr val="accent1">
+              <a:shade val="50000"/>
+            </a:schemeClr>
+          </a:lnRef>
+          <a:fillRef idx="1">
+            <a:schemeClr val="accent1"/>
+          </a:fillRef>
+          <a:effectRef idx="0">
+            <a:schemeClr val="accent1"/>
+          </a:effectRef>
+          <a:fontRef idx="minor">
+            <a:schemeClr val="lt1"/>
+          </a:fontRef>
+        </p:style>
+        <p:txBody>
+          <a:bodyPr rtlCol="0" anchor="ctr"/>
+          <a:lstStyle/>
+          <a:p>
+            <a:pPr algn="dist"/>
+            <a:endParaRPr lang="ko-KR" altLang="en-US" dirty="0"/>
+          </a:p>
+        </p:txBody>
+      </p:sp>
+      <p:sp>
+        <p:nvSpPr>
+          <p:cNvPr id="9" name="직사각형 8"/>
+          <p:cNvSpPr/>
+          <p:nvPr/>
+        </p:nvSpPr>
+        <p:spPr>
+          <a:xfrm>
+            <a:off x="1045503" y="2881638"/>
+            <a:ext cx="1070480" cy="234949"/>
+          </a:xfrm>
+          <a:prstGeom prst="rect">
+            <a:avLst/>
+          </a:prstGeom>
+          <a:solidFill>
+            <a:schemeClr val="bg1"/>
+          </a:solidFill>
+          <a:ln>
+            <a:solidFill>
+              <a:schemeClr val="bg1"/>
+            </a:solidFill>
+          </a:ln>
+        </p:spPr>
+        <p:style>
+          <a:lnRef idx="2">
+            <a:schemeClr val="accent1">
+              <a:shade val="50000"/>
+            </a:schemeClr>
+          </a:lnRef>
+          <a:fillRef idx="1">
+            <a:schemeClr val="accent1"/>
+          </a:fillRef>
+          <a:effectRef idx="0">
+            <a:schemeClr val="accent1"/>
+          </a:effectRef>
+          <a:fontRef idx="minor">
+            <a:schemeClr val="lt1"/>
+          </a:fontRef>
+        </p:style>
+        <p:txBody>
+          <a:bodyPr rtlCol="0" anchor="ctr"/>
+          <a:lstStyle/>
+          <a:p>
+            <a:pPr algn="ctr"/>
+            <a:r>
+              <a:rPr lang="en-US" altLang="ko-KR" dirty="0" smtClean="0">
+                <a:solidFill>
+                  <a:schemeClr val="tx1"/>
+                </a:solidFill>
+                <a:latin typeface="D2Coding ligature" panose="020B0609020101020101" pitchFamily="49" charset="-127"/>
+                <a:ea typeface="D2Coding ligature" panose="020B0609020101020101" pitchFamily="49" charset="-127"/>
+              </a:rPr>
+              <a:t>Flutter</a:t>
+            </a:r>
+            <a:endParaRPr lang="ko-KR" altLang="en-US" dirty="0">
+              <a:solidFill>
+                <a:schemeClr val="tx1"/>
+              </a:solidFill>
+              <a:latin typeface="D2Coding ligature" panose="020B0609020101020101" pitchFamily="49" charset="-127"/>
+              <a:ea typeface="D2Coding ligature" panose="020B0609020101020101" pitchFamily="49" charset="-127"/>
+            </a:endParaRPr>
+          </a:p>
+        </p:txBody>
+      </p:sp>
+      <p:sp>
+        <p:nvSpPr>
+          <p:cNvPr id="10" name="모서리가 둥근 직사각형 9"/>
+          <p:cNvSpPr/>
+          <p:nvPr/>
+        </p:nvSpPr>
+        <p:spPr>
+          <a:xfrm>
+            <a:off x="827634" y="964021"/>
+            <a:ext cx="4129088" cy="1898298"/>
+          </a:xfrm>
+          <a:prstGeom prst="roundRect">
+            <a:avLst/>
+          </a:prstGeom>
+          <a:noFill/>
+          <a:ln>
+            <a:solidFill>
+              <a:schemeClr val="tx1"/>
+            </a:solidFill>
+          </a:ln>
+        </p:spPr>
+        <p:style>
+          <a:lnRef idx="2">
+            <a:schemeClr val="accent1">
+              <a:shade val="50000"/>
+            </a:schemeClr>
+          </a:lnRef>
+          <a:fillRef idx="1">
+            <a:schemeClr val="accent1"/>
+          </a:fillRef>
+          <a:effectRef idx="0">
+            <a:schemeClr val="accent1"/>
+          </a:effectRef>
+          <a:fontRef idx="minor">
+            <a:schemeClr val="lt1"/>
+          </a:fontRef>
+        </p:style>
+        <p:txBody>
+          <a:bodyPr rtlCol="0" anchor="ctr"/>
+          <a:lstStyle/>
+          <a:p>
+            <a:pPr algn="ctr"/>
+            <a:endParaRPr lang="ko-KR" altLang="en-US"/>
+          </a:p>
+        </p:txBody>
+      </p:sp>
+      <p:pic>
+        <p:nvPicPr>
+          <p:cNvPr id="11" name="그림 10"/>
+          <p:cNvPicPr>
+            <a:picLocks noChangeAspect="1"/>
+          </p:cNvPicPr>
+          <p:nvPr/>
+        </p:nvPicPr>
+        <p:blipFill rotWithShape="1">
+          <a:blip r:embed="rId6" cstate="print">
+            <a:extLst>
+              <a:ext uri="{28A0092B-C50C-407E-A947-70E740481C1C}">
+                <a14:useLocalDpi xmlns:a14="http://schemas.microsoft.com/office/drawing/2010/main" val="0"/>
+              </a:ext>
+            </a:extLst>
+          </a:blip>
+          <a:srcRect t="7706" b="6264"/>
+          <a:stretch/>
+        </p:blipFill>
+        <p:spPr>
+          <a:xfrm>
+            <a:off x="3810822" y="1136888"/>
+            <a:ext cx="867473" cy="1612107"/>
+          </a:xfrm>
+          <a:prstGeom prst="rect">
+            <a:avLst/>
+          </a:prstGeom>
+        </p:spPr>
+      </p:pic>
+      <p:sp>
+        <p:nvSpPr>
+          <p:cNvPr id="15" name="직사각형 14"/>
+          <p:cNvSpPr/>
+          <p:nvPr/>
+        </p:nvSpPr>
+        <p:spPr>
+          <a:xfrm>
+            <a:off x="1045503" y="842356"/>
+            <a:ext cx="1070480" cy="234949"/>
+          </a:xfrm>
+          <a:prstGeom prst="rect">
+            <a:avLst/>
+          </a:prstGeom>
+          <a:solidFill>
+            <a:schemeClr val="bg1"/>
+          </a:solidFill>
+          <a:ln>
+            <a:solidFill>
+              <a:schemeClr val="bg1"/>
+            </a:solidFill>
+          </a:ln>
+        </p:spPr>
+        <p:style>
+          <a:lnRef idx="2">
+            <a:schemeClr val="accent1">
+              <a:shade val="50000"/>
+            </a:schemeClr>
+          </a:lnRef>
+          <a:fillRef idx="1">
+            <a:schemeClr val="accent1"/>
+          </a:fillRef>
+          <a:effectRef idx="0">
+            <a:schemeClr val="accent1"/>
+          </a:effectRef>
+          <a:fontRef idx="minor">
+            <a:schemeClr val="lt1"/>
+          </a:fontRef>
+        </p:style>
+        <p:txBody>
+          <a:bodyPr rtlCol="0" anchor="ctr"/>
+          <a:lstStyle/>
+          <a:p>
+            <a:pPr algn="ctr"/>
+            <a:r>
+              <a:rPr lang="en-US" altLang="ko-KR" dirty="0" smtClean="0">
+                <a:solidFill>
+                  <a:schemeClr val="tx1"/>
+                </a:solidFill>
+                <a:latin typeface="D2Coding ligature" panose="020B0609020101020101" pitchFamily="49" charset="-127"/>
+                <a:ea typeface="D2Coding ligature" panose="020B0609020101020101" pitchFamily="49" charset="-127"/>
+              </a:rPr>
+              <a:t>React</a:t>
+            </a:r>
+            <a:endParaRPr lang="ko-KR" altLang="en-US" dirty="0">
+              <a:solidFill>
+                <a:schemeClr val="tx1"/>
+              </a:solidFill>
+              <a:latin typeface="D2Coding ligature" panose="020B0609020101020101" pitchFamily="49" charset="-127"/>
+              <a:ea typeface="D2Coding ligature" panose="020B0609020101020101" pitchFamily="49" charset="-127"/>
+            </a:endParaRPr>
+          </a:p>
+        </p:txBody>
+      </p:sp>
+      <p:sp>
+        <p:nvSpPr>
+          <p:cNvPr id="16" name="모서리가 둥근 직사각형 15"/>
+          <p:cNvSpPr/>
+          <p:nvPr/>
+        </p:nvSpPr>
+        <p:spPr>
+          <a:xfrm>
+            <a:off x="5176400" y="964020"/>
+            <a:ext cx="3000375" cy="4625021"/>
+          </a:xfrm>
+          <a:prstGeom prst="roundRect">
+            <a:avLst/>
+          </a:prstGeom>
+          <a:noFill/>
+          <a:ln>
+            <a:solidFill>
+              <a:schemeClr val="tx1"/>
+            </a:solidFill>
+          </a:ln>
+        </p:spPr>
+        <p:style>
+          <a:lnRef idx="2">
+            <a:schemeClr val="accent1">
+              <a:shade val="50000"/>
+            </a:schemeClr>
+          </a:lnRef>
+          <a:fillRef idx="1">
+            <a:schemeClr val="accent1"/>
+          </a:fillRef>
+          <a:effectRef idx="0">
+            <a:schemeClr val="accent1"/>
+          </a:effectRef>
+          <a:fontRef idx="minor">
+            <a:schemeClr val="lt1"/>
+          </a:fontRef>
+        </p:style>
+        <p:txBody>
+          <a:bodyPr rtlCol="0" anchor="ctr"/>
+          <a:lstStyle/>
+          <a:p>
+            <a:pPr algn="ctr"/>
+            <a:endParaRPr lang="ko-KR" altLang="en-US"/>
+          </a:p>
+        </p:txBody>
+      </p:sp>
+      <p:sp>
+        <p:nvSpPr>
+          <p:cNvPr id="17" name="직사각형 16"/>
+          <p:cNvSpPr/>
+          <p:nvPr/>
+        </p:nvSpPr>
+        <p:spPr>
+          <a:xfrm>
+            <a:off x="5474392" y="858292"/>
+            <a:ext cx="1070480" cy="234949"/>
+          </a:xfrm>
+          <a:prstGeom prst="rect">
+            <a:avLst/>
+          </a:prstGeom>
+          <a:solidFill>
+            <a:schemeClr val="bg1"/>
+          </a:solidFill>
+          <a:ln>
+            <a:solidFill>
+              <a:schemeClr val="bg1"/>
+            </a:solidFill>
+          </a:ln>
+        </p:spPr>
+        <p:style>
+          <a:lnRef idx="2">
+            <a:schemeClr val="accent1">
+              <a:shade val="50000"/>
+            </a:schemeClr>
+          </a:lnRef>
+          <a:fillRef idx="1">
+            <a:schemeClr val="accent1"/>
+          </a:fillRef>
+          <a:effectRef idx="0">
+            <a:schemeClr val="accent1"/>
+          </a:effectRef>
+          <a:fontRef idx="minor">
+            <a:schemeClr val="lt1"/>
+          </a:fontRef>
+        </p:style>
+        <p:txBody>
+          <a:bodyPr rtlCol="0" anchor="ctr"/>
+          <a:lstStyle/>
+          <a:p>
+            <a:pPr algn="ctr"/>
+            <a:r>
+              <a:rPr lang="en-US" altLang="ko-KR" dirty="0" smtClean="0">
+                <a:solidFill>
+                  <a:schemeClr val="tx1"/>
+                </a:solidFill>
+                <a:latin typeface="D2Coding ligature" panose="020B0609020101020101" pitchFamily="49" charset="-127"/>
+                <a:ea typeface="D2Coding ligature" panose="020B0609020101020101" pitchFamily="49" charset="-127"/>
+              </a:rPr>
+              <a:t>Search</a:t>
+            </a:r>
+            <a:endParaRPr lang="ko-KR" altLang="en-US" dirty="0">
+              <a:solidFill>
+                <a:schemeClr val="tx1"/>
+              </a:solidFill>
+              <a:latin typeface="D2Coding ligature" panose="020B0609020101020101" pitchFamily="49" charset="-127"/>
+              <a:ea typeface="D2Coding ligature" panose="020B0609020101020101" pitchFamily="49" charset="-127"/>
+            </a:endParaRPr>
+          </a:p>
+        </p:txBody>
+      </p:sp>
+      <p:sp>
+        <p:nvSpPr>
+          <p:cNvPr id="20" name="모서리가 둥근 직사각형 19"/>
+          <p:cNvSpPr/>
+          <p:nvPr/>
+        </p:nvSpPr>
+        <p:spPr>
+          <a:xfrm>
+            <a:off x="8362853" y="955228"/>
+            <a:ext cx="3000375" cy="4633813"/>
+          </a:xfrm>
+          <a:prstGeom prst="roundRect">
+            <a:avLst/>
+          </a:prstGeom>
+          <a:noFill/>
+          <a:ln>
+            <a:solidFill>
+              <a:schemeClr val="tx1"/>
+            </a:solidFill>
+          </a:ln>
+        </p:spPr>
+        <p:style>
+          <a:lnRef idx="2">
+            <a:schemeClr val="accent1">
+              <a:shade val="50000"/>
+            </a:schemeClr>
+          </a:lnRef>
+          <a:fillRef idx="1">
+            <a:schemeClr val="accent1"/>
+          </a:fillRef>
+          <a:effectRef idx="0">
+            <a:schemeClr val="accent1"/>
+          </a:effectRef>
+          <a:fontRef idx="minor">
+            <a:schemeClr val="lt1"/>
+          </a:fontRef>
+        </p:style>
+        <p:txBody>
+          <a:bodyPr rtlCol="0" anchor="ctr"/>
+          <a:lstStyle/>
+          <a:p>
+            <a:pPr algn="ctr"/>
+            <a:endParaRPr lang="ko-KR" altLang="en-US"/>
+          </a:p>
+        </p:txBody>
+      </p:sp>
+      <p:sp>
+        <p:nvSpPr>
+          <p:cNvPr id="21" name="직사각형 20"/>
+          <p:cNvSpPr/>
+          <p:nvPr/>
+        </p:nvSpPr>
+        <p:spPr>
+          <a:xfrm>
+            <a:off x="8660845" y="849500"/>
+            <a:ext cx="1070480" cy="234949"/>
+          </a:xfrm>
+          <a:prstGeom prst="rect">
+            <a:avLst/>
+          </a:prstGeom>
+          <a:solidFill>
+            <a:schemeClr val="bg1"/>
+          </a:solidFill>
+          <a:ln>
+            <a:solidFill>
+              <a:schemeClr val="bg1"/>
+            </a:solidFill>
+          </a:ln>
+        </p:spPr>
+        <p:style>
+          <a:lnRef idx="2">
+            <a:schemeClr val="accent1">
+              <a:shade val="50000"/>
+            </a:schemeClr>
+          </a:lnRef>
+          <a:fillRef idx="1">
+            <a:schemeClr val="accent1"/>
+          </a:fillRef>
+          <a:effectRef idx="0">
+            <a:schemeClr val="accent1"/>
+          </a:effectRef>
+          <a:fontRef idx="minor">
+            <a:schemeClr val="lt1"/>
+          </a:fontRef>
+        </p:style>
+        <p:txBody>
+          <a:bodyPr rtlCol="0" anchor="ctr"/>
+          <a:lstStyle/>
+          <a:p>
+            <a:pPr algn="ctr"/>
+            <a:r>
+              <a:rPr lang="en-US" altLang="ko-KR" dirty="0" smtClean="0">
+                <a:solidFill>
+                  <a:schemeClr val="tx1"/>
+                </a:solidFill>
+                <a:latin typeface="D2Coding ligature" panose="020B0609020101020101" pitchFamily="49" charset="-127"/>
+                <a:ea typeface="D2Coding ligature" panose="020B0609020101020101" pitchFamily="49" charset="-127"/>
+              </a:rPr>
+              <a:t>Buy</a:t>
+            </a:r>
+            <a:endParaRPr lang="ko-KR" altLang="en-US" dirty="0">
+              <a:solidFill>
+                <a:schemeClr val="tx1"/>
+              </a:solidFill>
+              <a:latin typeface="D2Coding ligature" panose="020B0609020101020101" pitchFamily="49" charset="-127"/>
+              <a:ea typeface="D2Coding ligature" panose="020B0609020101020101" pitchFamily="49" charset="-127"/>
+            </a:endParaRPr>
+          </a:p>
+        </p:txBody>
+      </p:sp>
+      <p:pic>
+        <p:nvPicPr>
+          <p:cNvPr id="28" name="그림 27"/>
+          <p:cNvPicPr>
+            <a:picLocks noChangeAspect="1"/>
+          </p:cNvPicPr>
+          <p:nvPr/>
+        </p:nvPicPr>
+        <p:blipFill rotWithShape="1">
+          <a:blip r:embed="rId7" cstate="print">
+            <a:extLst>
+              <a:ext uri="{28A0092B-C50C-407E-A947-70E740481C1C}">
+                <a14:useLocalDpi xmlns:a14="http://schemas.microsoft.com/office/drawing/2010/main" val="0"/>
+              </a:ext>
+            </a:extLst>
+          </a:blip>
+          <a:srcRect t="4352" b="5719"/>
+          <a:stretch/>
+        </p:blipFill>
+        <p:spPr>
+          <a:xfrm>
+            <a:off x="2482565" y="3458974"/>
+            <a:ext cx="836730" cy="1672158"/>
+          </a:xfrm>
+          <a:prstGeom prst="rect">
+            <a:avLst/>
+          </a:prstGeom>
+        </p:spPr>
+      </p:pic>
+      <p:pic>
+        <p:nvPicPr>
+          <p:cNvPr id="29" name="그림 28"/>
+          <p:cNvPicPr>
+            <a:picLocks noChangeAspect="1"/>
+          </p:cNvPicPr>
+          <p:nvPr/>
+        </p:nvPicPr>
+        <p:blipFill rotWithShape="1">
+          <a:blip r:embed="rId8" cstate="print">
+            <a:extLst>
+              <a:ext uri="{28A0092B-C50C-407E-A947-70E740481C1C}">
+                <a14:useLocalDpi xmlns:a14="http://schemas.microsoft.com/office/drawing/2010/main" val="0"/>
+              </a:ext>
+            </a:extLst>
+          </a:blip>
+          <a:srcRect t="3715" b="5906"/>
+          <a:stretch/>
+        </p:blipFill>
+        <p:spPr>
+          <a:xfrm>
+            <a:off x="6246156" y="3463235"/>
+            <a:ext cx="851151" cy="1709464"/>
+          </a:xfrm>
+          <a:prstGeom prst="rect">
+            <a:avLst/>
+          </a:prstGeom>
+        </p:spPr>
+      </p:pic>
+    </p:spTree>
+    <p:extLst>
+      <p:ext uri="{BB962C8B-B14F-4D97-AF65-F5344CB8AC3E}">
+        <p14:creationId xmlns:p14="http://schemas.microsoft.com/office/powerpoint/2010/main" val="3468640020"/>
+      </p:ext>
+    </p:extLst>
+  </p:cSld>
+  <p:clrMapOvr>
+    <a:masterClrMapping/>
+  </p:clrMapOvr>
 </p:sld>
 </file>
 
